--- a/materials/slides/ch02-1.pptx
+++ b/materials/slides/ch02-1.pptx
@@ -5,7 +5,7 @@
     <p:sldMasterId id="2147483669" r:id="rId1"/>
   </p:sldMasterIdLst>
   <p:notesMasterIdLst>
-    <p:notesMasterId r:id="rId47"/>
+    <p:notesMasterId r:id="rId46"/>
   </p:notesMasterIdLst>
   <p:sldIdLst>
     <p:sldId id="351" r:id="rId2"/>
@@ -50,9 +50,8 @@
     <p:sldId id="464" r:id="rId41"/>
     <p:sldId id="465" r:id="rId42"/>
     <p:sldId id="466" r:id="rId43"/>
-    <p:sldId id="467" r:id="rId44"/>
-    <p:sldId id="476" r:id="rId45"/>
-    <p:sldId id="262" r:id="rId46"/>
+    <p:sldId id="476" r:id="rId44"/>
+    <p:sldId id="262" r:id="rId45"/>
   </p:sldIdLst>
   <p:sldSz cx="12192000" cy="6858000"/>
   <p:notesSz cx="6858000" cy="9144000"/>
@@ -153,7 +152,7 @@
   </p:defaultTextStyle>
   <p:extLst>
     <p:ext uri="{EFAFB233-063F-42B5-8137-9DF3F51BA10A}">
-      <p15:sldGuideLst xmlns:p15="http://schemas.microsoft.com/office/powerpoint/2012/main">
+      <p15:sldGuideLst xmlns:p15="http://schemas.microsoft.com/office/powerpoint/2012/main" xmlns="">
         <p15:guide id="1" orient="horz" pos="2160" userDrawn="1">
           <p15:clr>
             <a:srgbClr val="A4A3A4"/>
@@ -175,7 +174,7 @@
   <p:cmAuthor id="1" name="Eetze" initials="E" lastIdx="1" clrIdx="0">
     <p:extLst>
       <p:ext uri="{19B8F6BF-5375-455C-9EA6-DF929625EA0E}">
-        <p15:presenceInfo xmlns:p15="http://schemas.microsoft.com/office/powerpoint/2012/main" userId="Eetze" providerId="None"/>
+        <p15:presenceInfo xmlns:p15="http://schemas.microsoft.com/office/powerpoint/2012/main" xmlns="" userId="Eetze" providerId="None"/>
       </p:ext>
     </p:extLst>
   </p:cmAuthor>
@@ -3563,7 +3562,7 @@
           <a:p>
             <a:fld id="{A097A4FE-15A4-4468-9890-CEB24014ACB3}" type="datetimeFigureOut">
               <a:rPr lang="zh-CN" altLang="en-US" smtClean="0"/>
-              <a:t>2018/3/6</a:t>
+              <a:t>2018/9/10</a:t>
             </a:fld>
             <a:endParaRPr lang="zh-CN" altLang="en-US"/>
           </a:p>
@@ -3914,6 +3913,459 @@
 </p:notes>
 </file>
 
+<file path=ppt/notesSlides/notesSlide10.xml><?xml version="1.0" encoding="utf-8"?>
+<p:notes xmlns:a="http://schemas.openxmlformats.org/drawingml/2006/main" xmlns:r="http://schemas.openxmlformats.org/officeDocument/2006/relationships" xmlns:p="http://schemas.openxmlformats.org/presentationml/2006/main">
+  <p:cSld>
+    <p:spTree>
+      <p:nvGrpSpPr>
+        <p:cNvPr id="1" name=""/>
+        <p:cNvGrpSpPr/>
+        <p:nvPr/>
+      </p:nvGrpSpPr>
+      <p:grpSpPr>
+        <a:xfrm>
+          <a:off x="0" y="0"/>
+          <a:ext cx="0" cy="0"/>
+          <a:chOff x="0" y="0"/>
+          <a:chExt cx="0" cy="0"/>
+        </a:xfrm>
+      </p:grpSpPr>
+      <p:sp>
+        <p:nvSpPr>
+          <p:cNvPr id="2" name="幻灯片图像占位符 1"/>
+          <p:cNvSpPr>
+            <a:spLocks noGrp="1" noRot="1" noChangeAspect="1"/>
+          </p:cNvSpPr>
+          <p:nvPr>
+            <p:ph type="sldImg"/>
+          </p:nvPr>
+        </p:nvSpPr>
+        <p:spPr/>
+      </p:sp>
+      <p:sp>
+        <p:nvSpPr>
+          <p:cNvPr id="3" name="备注占位符 2"/>
+          <p:cNvSpPr>
+            <a:spLocks noGrp="1"/>
+          </p:cNvSpPr>
+          <p:nvPr>
+            <p:ph type="body" idx="1"/>
+          </p:nvPr>
+        </p:nvSpPr>
+        <p:spPr/>
+        <p:txBody>
+          <a:bodyPr/>
+          <a:lstStyle/>
+          <a:p>
+            <a:r>
+              <a:rPr lang="zh-CN" altLang="en-US" dirty="0" smtClean="0"/>
+              <a:t>什么是事件</a:t>
+            </a:r>
+            <a:endParaRPr lang="en-US" altLang="zh-CN" dirty="0" smtClean="0"/>
+          </a:p>
+          <a:p>
+            <a:r>
+              <a:rPr lang="zh-CN" altLang="en-US" dirty="0" smtClean="0"/>
+              <a:t>什么是监听</a:t>
+            </a:r>
+            <a:endParaRPr lang="zh-CN" altLang="en-US" dirty="0"/>
+          </a:p>
+        </p:txBody>
+      </p:sp>
+      <p:sp>
+        <p:nvSpPr>
+          <p:cNvPr id="4" name="灯片编号占位符 3"/>
+          <p:cNvSpPr>
+            <a:spLocks noGrp="1"/>
+          </p:cNvSpPr>
+          <p:nvPr>
+            <p:ph type="sldNum" sz="quarter" idx="10"/>
+          </p:nvPr>
+        </p:nvSpPr>
+        <p:spPr/>
+        <p:txBody>
+          <a:bodyPr/>
+          <a:lstStyle/>
+          <a:p>
+            <a:fld id="{67AFED13-18EC-4853-B935-6E23F2540B2D}" type="slidenum">
+              <a:rPr lang="zh-CN" altLang="en-US" smtClean="0"/>
+              <a:t>33</a:t>
+            </a:fld>
+            <a:endParaRPr lang="zh-CN" altLang="en-US"/>
+          </a:p>
+        </p:txBody>
+      </p:sp>
+    </p:spTree>
+    <p:extLst>
+      <p:ext uri="{BB962C8B-B14F-4D97-AF65-F5344CB8AC3E}">
+        <p14:creationId xmlns:p14="http://schemas.microsoft.com/office/powerpoint/2010/main" val="4191761601"/>
+      </p:ext>
+    </p:extLst>
+  </p:cSld>
+  <p:clrMapOvr>
+    <a:masterClrMapping/>
+  </p:clrMapOvr>
+</p:notes>
+</file>
+
+<file path=ppt/notesSlides/notesSlide11.xml><?xml version="1.0" encoding="utf-8"?>
+<p:notes xmlns:a="http://schemas.openxmlformats.org/drawingml/2006/main" xmlns:r="http://schemas.openxmlformats.org/officeDocument/2006/relationships" xmlns:p="http://schemas.openxmlformats.org/presentationml/2006/main">
+  <p:cSld>
+    <p:spTree>
+      <p:nvGrpSpPr>
+        <p:cNvPr id="1" name=""/>
+        <p:cNvGrpSpPr/>
+        <p:nvPr/>
+      </p:nvGrpSpPr>
+      <p:grpSpPr>
+        <a:xfrm>
+          <a:off x="0" y="0"/>
+          <a:ext cx="0" cy="0"/>
+          <a:chOff x="0" y="0"/>
+          <a:chExt cx="0" cy="0"/>
+        </a:xfrm>
+      </p:grpSpPr>
+      <p:sp>
+        <p:nvSpPr>
+          <p:cNvPr id="2" name="幻灯片图像占位符 1"/>
+          <p:cNvSpPr>
+            <a:spLocks noGrp="1" noRot="1" noChangeAspect="1"/>
+          </p:cNvSpPr>
+          <p:nvPr>
+            <p:ph type="sldImg"/>
+          </p:nvPr>
+        </p:nvSpPr>
+        <p:spPr/>
+      </p:sp>
+      <p:sp>
+        <p:nvSpPr>
+          <p:cNvPr id="3" name="备注占位符 2"/>
+          <p:cNvSpPr>
+            <a:spLocks noGrp="1"/>
+          </p:cNvSpPr>
+          <p:nvPr>
+            <p:ph type="body" idx="1"/>
+          </p:nvPr>
+        </p:nvSpPr>
+        <p:spPr/>
+        <p:txBody>
+          <a:bodyPr/>
+          <a:lstStyle/>
+          <a:p>
+            <a:endParaRPr lang="zh-CN" altLang="en-US" dirty="0"/>
+          </a:p>
+        </p:txBody>
+      </p:sp>
+      <p:sp>
+        <p:nvSpPr>
+          <p:cNvPr id="4" name="灯片编号占位符 3"/>
+          <p:cNvSpPr>
+            <a:spLocks noGrp="1"/>
+          </p:cNvSpPr>
+          <p:nvPr>
+            <p:ph type="sldNum" sz="quarter" idx="10"/>
+          </p:nvPr>
+        </p:nvSpPr>
+        <p:spPr/>
+        <p:txBody>
+          <a:bodyPr/>
+          <a:lstStyle/>
+          <a:p>
+            <a:fld id="{67AFED13-18EC-4853-B935-6E23F2540B2D}" type="slidenum">
+              <a:rPr lang="zh-CN" altLang="en-US" smtClean="0"/>
+              <a:t>37</a:t>
+            </a:fld>
+            <a:endParaRPr lang="zh-CN" altLang="en-US"/>
+          </a:p>
+        </p:txBody>
+      </p:sp>
+    </p:spTree>
+    <p:extLst>
+      <p:ext uri="{BB962C8B-B14F-4D97-AF65-F5344CB8AC3E}">
+        <p14:creationId xmlns:p14="http://schemas.microsoft.com/office/powerpoint/2010/main" val="2400868530"/>
+      </p:ext>
+    </p:extLst>
+  </p:cSld>
+  <p:clrMapOvr>
+    <a:masterClrMapping/>
+  </p:clrMapOvr>
+</p:notes>
+</file>
+
+<file path=ppt/notesSlides/notesSlide12.xml><?xml version="1.0" encoding="utf-8"?>
+<p:notes xmlns:a="http://schemas.openxmlformats.org/drawingml/2006/main" xmlns:r="http://schemas.openxmlformats.org/officeDocument/2006/relationships" xmlns:p="http://schemas.openxmlformats.org/presentationml/2006/main">
+  <p:cSld>
+    <p:spTree>
+      <p:nvGrpSpPr>
+        <p:cNvPr id="1" name=""/>
+        <p:cNvGrpSpPr/>
+        <p:nvPr/>
+      </p:nvGrpSpPr>
+      <p:grpSpPr>
+        <a:xfrm>
+          <a:off x="0" y="0"/>
+          <a:ext cx="0" cy="0"/>
+          <a:chOff x="0" y="0"/>
+          <a:chExt cx="0" cy="0"/>
+        </a:xfrm>
+      </p:grpSpPr>
+      <p:sp>
+        <p:nvSpPr>
+          <p:cNvPr id="2" name="幻灯片图像占位符 1"/>
+          <p:cNvSpPr>
+            <a:spLocks noGrp="1" noRot="1" noChangeAspect="1"/>
+          </p:cNvSpPr>
+          <p:nvPr>
+            <p:ph type="sldImg"/>
+          </p:nvPr>
+        </p:nvSpPr>
+        <p:spPr/>
+      </p:sp>
+      <p:sp>
+        <p:nvSpPr>
+          <p:cNvPr id="3" name="备注占位符 2"/>
+          <p:cNvSpPr>
+            <a:spLocks noGrp="1"/>
+          </p:cNvSpPr>
+          <p:nvPr>
+            <p:ph type="body" idx="1"/>
+          </p:nvPr>
+        </p:nvSpPr>
+        <p:spPr/>
+        <p:txBody>
+          <a:bodyPr/>
+          <a:lstStyle/>
+          <a:p>
+            <a:r>
+              <a:rPr lang="zh-CN" altLang="en-US" dirty="0"/>
+              <a:t>换一个事件，找一些常用的控件的常用事件 </a:t>
+            </a:r>
+            <a:endParaRPr lang="en-US" altLang="zh-CN" dirty="0"/>
+          </a:p>
+          <a:p>
+            <a:r>
+              <a:rPr lang="zh-CN" altLang="en-US" dirty="0"/>
+              <a:t>第</a:t>
+            </a:r>
+            <a:r>
+              <a:rPr lang="en-US" altLang="zh-CN" dirty="0"/>
+              <a:t>2</a:t>
+            </a:r>
+            <a:r>
+              <a:rPr lang="zh-CN" altLang="en-US" dirty="0"/>
+              <a:t>种方法</a:t>
+            </a:r>
+            <a:r>
+              <a:rPr lang="zh-CN" altLang="en-US" dirty="0" smtClean="0"/>
+              <a:t>：当前</a:t>
+            </a:r>
+            <a:r>
+              <a:rPr lang="en-US" altLang="zh-CN" dirty="0" smtClean="0"/>
+              <a:t>Activity</a:t>
+            </a:r>
+            <a:r>
+              <a:rPr lang="zh-CN" altLang="en-US" dirty="0" smtClean="0"/>
+              <a:t>实现</a:t>
+            </a:r>
+            <a:r>
+              <a:rPr lang="en-US" altLang="zh-CN" dirty="0" err="1" smtClean="0"/>
+              <a:t>OnClickListener</a:t>
+            </a:r>
+            <a:r>
+              <a:rPr lang="zh-CN" altLang="en-US" dirty="0" smtClean="0"/>
+              <a:t>接口</a:t>
+            </a:r>
+            <a:endParaRPr lang="en-US" altLang="zh-CN" dirty="0" smtClean="0"/>
+          </a:p>
+          <a:p>
+            <a:r>
+              <a:rPr lang="zh-CN" altLang="en-US" dirty="0" smtClean="0"/>
+              <a:t>第</a:t>
+            </a:r>
+            <a:r>
+              <a:rPr lang="en-US" altLang="zh-CN" dirty="0" smtClean="0"/>
+              <a:t>3</a:t>
+            </a:r>
+            <a:r>
+              <a:rPr lang="zh-CN" altLang="en-US" dirty="0" smtClean="0"/>
+              <a:t>种方法：在</a:t>
+            </a:r>
+            <a:r>
+              <a:rPr lang="en-US" altLang="zh-CN" dirty="0" smtClean="0"/>
+              <a:t>xml</a:t>
+            </a:r>
+            <a:r>
+              <a:rPr lang="zh-CN" altLang="en-US" dirty="0" smtClean="0"/>
+              <a:t>中设置</a:t>
+            </a:r>
+            <a:r>
+              <a:rPr lang="en-US" altLang="zh-CN" dirty="0" smtClean="0"/>
+              <a:t>button</a:t>
+            </a:r>
+            <a:r>
+              <a:rPr lang="zh-CN" altLang="en-US" dirty="0" smtClean="0"/>
+              <a:t>的</a:t>
+            </a:r>
+            <a:r>
+              <a:rPr lang="en-US" altLang="zh-CN" dirty="0" err="1" smtClean="0"/>
+              <a:t>onClick</a:t>
+            </a:r>
+            <a:r>
+              <a:rPr lang="zh-CN" altLang="en-US" dirty="0" smtClean="0"/>
+              <a:t>属性</a:t>
+            </a:r>
+            <a:endParaRPr lang="en-US" altLang="zh-CN" dirty="0" smtClean="0"/>
+          </a:p>
+          <a:p>
+            <a:r>
+              <a:rPr lang="zh-CN" altLang="en-US" dirty="0" smtClean="0"/>
+              <a:t>参数中的</a:t>
+            </a:r>
+            <a:r>
+              <a:rPr lang="en-US" altLang="zh-CN" dirty="0" smtClean="0"/>
+              <a:t>View</a:t>
+            </a:r>
+            <a:r>
+              <a:rPr lang="zh-CN" altLang="en-US" smtClean="0"/>
+              <a:t>就是事件源，哪个控件被点击就传入哪个控件</a:t>
+            </a:r>
+            <a:endParaRPr lang="en-US" altLang="zh-CN" dirty="0"/>
+          </a:p>
+        </p:txBody>
+      </p:sp>
+      <p:sp>
+        <p:nvSpPr>
+          <p:cNvPr id="4" name="灯片编号占位符 3"/>
+          <p:cNvSpPr>
+            <a:spLocks noGrp="1"/>
+          </p:cNvSpPr>
+          <p:nvPr>
+            <p:ph type="sldNum" sz="quarter" idx="10"/>
+          </p:nvPr>
+        </p:nvSpPr>
+        <p:spPr/>
+        <p:txBody>
+          <a:bodyPr/>
+          <a:lstStyle/>
+          <a:p>
+            <a:fld id="{67AFED13-18EC-4853-B935-6E23F2540B2D}" type="slidenum">
+              <a:rPr lang="zh-CN" altLang="en-US" smtClean="0"/>
+              <a:t>38</a:t>
+            </a:fld>
+            <a:endParaRPr lang="zh-CN" altLang="en-US"/>
+          </a:p>
+        </p:txBody>
+      </p:sp>
+    </p:spTree>
+    <p:extLst>
+      <p:ext uri="{BB962C8B-B14F-4D97-AF65-F5344CB8AC3E}">
+        <p14:creationId xmlns:p14="http://schemas.microsoft.com/office/powerpoint/2010/main" val="2817571521"/>
+      </p:ext>
+    </p:extLst>
+  </p:cSld>
+  <p:clrMapOvr>
+    <a:masterClrMapping/>
+  </p:clrMapOvr>
+</p:notes>
+</file>
+
+<file path=ppt/notesSlides/notesSlide13.xml><?xml version="1.0" encoding="utf-8"?>
+<p:notes xmlns:a="http://schemas.openxmlformats.org/drawingml/2006/main" xmlns:r="http://schemas.openxmlformats.org/officeDocument/2006/relationships" xmlns:p="http://schemas.openxmlformats.org/presentationml/2006/main">
+  <p:cSld>
+    <p:spTree>
+      <p:nvGrpSpPr>
+        <p:cNvPr id="1" name=""/>
+        <p:cNvGrpSpPr/>
+        <p:nvPr/>
+      </p:nvGrpSpPr>
+      <p:grpSpPr>
+        <a:xfrm>
+          <a:off x="0" y="0"/>
+          <a:ext cx="0" cy="0"/>
+          <a:chOff x="0" y="0"/>
+          <a:chExt cx="0" cy="0"/>
+        </a:xfrm>
+      </p:grpSpPr>
+      <p:sp>
+        <p:nvSpPr>
+          <p:cNvPr id="2" name="幻灯片图像占位符 1"/>
+          <p:cNvSpPr>
+            <a:spLocks noGrp="1" noRot="1" noChangeAspect="1"/>
+          </p:cNvSpPr>
+          <p:nvPr>
+            <p:ph type="sldImg"/>
+          </p:nvPr>
+        </p:nvSpPr>
+        <p:spPr/>
+      </p:sp>
+      <p:sp>
+        <p:nvSpPr>
+          <p:cNvPr id="3" name="备注占位符 2"/>
+          <p:cNvSpPr>
+            <a:spLocks noGrp="1"/>
+          </p:cNvSpPr>
+          <p:nvPr>
+            <p:ph type="body" idx="1"/>
+          </p:nvPr>
+        </p:nvSpPr>
+        <p:spPr/>
+        <p:txBody>
+          <a:bodyPr/>
+          <a:lstStyle/>
+          <a:p>
+            <a:r>
+              <a:rPr lang="zh-CN" altLang="en-US" dirty="0"/>
+              <a:t>原理性的东西：比如事件监听器的执行过程（以图表形式展示较好）</a:t>
+            </a:r>
+            <a:endParaRPr lang="en-US" altLang="zh-CN" dirty="0"/>
+          </a:p>
+          <a:p>
+            <a:endParaRPr lang="en-US" altLang="zh-CN" dirty="0"/>
+          </a:p>
+          <a:p>
+            <a:r>
+              <a:rPr lang="zh-CN" altLang="en-US" dirty="0"/>
+              <a:t>把握住重点，不要过细</a:t>
+            </a:r>
+          </a:p>
+        </p:txBody>
+      </p:sp>
+      <p:sp>
+        <p:nvSpPr>
+          <p:cNvPr id="4" name="灯片编号占位符 3"/>
+          <p:cNvSpPr>
+            <a:spLocks noGrp="1"/>
+          </p:cNvSpPr>
+          <p:nvPr>
+            <p:ph type="sldNum" sz="quarter" idx="10"/>
+          </p:nvPr>
+        </p:nvSpPr>
+        <p:spPr/>
+        <p:txBody>
+          <a:bodyPr/>
+          <a:lstStyle/>
+          <a:p>
+            <a:fld id="{67AFED13-18EC-4853-B935-6E23F2540B2D}" type="slidenum">
+              <a:rPr lang="zh-CN" altLang="en-US" smtClean="0"/>
+              <a:t>39</a:t>
+            </a:fld>
+            <a:endParaRPr lang="zh-CN" altLang="en-US"/>
+          </a:p>
+        </p:txBody>
+      </p:sp>
+    </p:spTree>
+    <p:extLst>
+      <p:ext uri="{BB962C8B-B14F-4D97-AF65-F5344CB8AC3E}">
+        <p14:creationId xmlns:p14="http://schemas.microsoft.com/office/powerpoint/2010/main" val="2470357146"/>
+      </p:ext>
+    </p:extLst>
+  </p:cSld>
+  <p:clrMapOvr>
+    <a:masterClrMapping/>
+  </p:clrMapOvr>
+</p:notes>
+</file>
+
 <file path=ppt/notesSlides/notesSlide2.xml><?xml version="1.0" encoding="utf-8"?>
 <p:notes xmlns:a="http://schemas.openxmlformats.org/drawingml/2006/main" xmlns:r="http://schemas.openxmlformats.org/officeDocument/2006/relationships" xmlns:p="http://schemas.openxmlformats.org/presentationml/2006/main">
   <p:cSld>
@@ -4042,6 +4494,225 @@
           <a:bodyPr/>
           <a:lstStyle/>
           <a:p>
+            <a:r>
+              <a:rPr lang="en-US" altLang="zh-CN" dirty="0" smtClean="0"/>
+              <a:t>1</a:t>
+            </a:r>
+            <a:r>
+              <a:rPr lang="zh-CN" altLang="en-US" dirty="0" smtClean="0"/>
+              <a:t>、为什么是</a:t>
+            </a:r>
+            <a:r>
+              <a:rPr lang="en-US" altLang="zh-CN" dirty="0" err="1" smtClean="0"/>
+              <a:t>setContentView</a:t>
+            </a:r>
+            <a:r>
+              <a:rPr lang="zh-CN" altLang="en-US" dirty="0" smtClean="0"/>
+              <a:t>而不是</a:t>
+            </a:r>
+            <a:r>
+              <a:rPr lang="en-US" altLang="zh-CN" dirty="0" err="1" smtClean="0"/>
+              <a:t>setView</a:t>
+            </a:r>
+            <a:r>
+              <a:rPr lang="zh-CN" altLang="en-US" dirty="0" smtClean="0"/>
+              <a:t>，因为有一个</a:t>
+            </a:r>
+            <a:r>
+              <a:rPr lang="en-US" altLang="zh-CN" dirty="0" err="1" smtClean="0"/>
+              <a:t>contentView</a:t>
+            </a:r>
+            <a:r>
+              <a:rPr lang="zh-CN" altLang="en-US" dirty="0" smtClean="0"/>
+              <a:t>的属性</a:t>
+            </a:r>
+            <a:endParaRPr lang="en-US" altLang="zh-CN" dirty="0" smtClean="0"/>
+          </a:p>
+          <a:p>
+            <a:r>
+              <a:rPr lang="en-US" altLang="zh-CN" dirty="0" smtClean="0"/>
+              <a:t>2</a:t>
+            </a:r>
+            <a:r>
+              <a:rPr lang="zh-CN" altLang="en-US" dirty="0" smtClean="0"/>
+              <a:t>、什么是</a:t>
+            </a:r>
+            <a:r>
+              <a:rPr lang="en-US" altLang="zh-CN" dirty="0" smtClean="0"/>
+              <a:t>R</a:t>
+            </a:r>
+            <a:r>
+              <a:rPr lang="zh-CN" altLang="en-US" dirty="0" smtClean="0"/>
+              <a:t>类</a:t>
+            </a:r>
+            <a:endParaRPr lang="en-US" altLang="zh-CN" dirty="0" smtClean="0"/>
+          </a:p>
+          <a:p>
+            <a:r>
+              <a:rPr lang="en-US" altLang="zh-CN" dirty="0" smtClean="0"/>
+              <a:t>3</a:t>
+            </a:r>
+            <a:r>
+              <a:rPr lang="zh-CN" altLang="en-US" dirty="0" smtClean="0"/>
+              <a:t>、控件在内存中是对象，如何从</a:t>
+            </a:r>
+            <a:r>
+              <a:rPr lang="en-US" altLang="zh-CN" dirty="0" smtClean="0"/>
+              <a:t>xml</a:t>
+            </a:r>
+            <a:r>
+              <a:rPr lang="zh-CN" altLang="en-US" dirty="0" smtClean="0"/>
+              <a:t>文件到控件对象</a:t>
+            </a:r>
+            <a:endParaRPr lang="en-US" altLang="zh-CN" dirty="0" smtClean="0"/>
+          </a:p>
+          <a:p>
+            <a:r>
+              <a:rPr lang="en-US" altLang="zh-CN" dirty="0" smtClean="0"/>
+              <a:t>4</a:t>
+            </a:r>
+            <a:r>
+              <a:rPr lang="zh-CN" altLang="en-US" dirty="0" smtClean="0"/>
+              <a:t>、如果想显示别的布局，替换</a:t>
+            </a:r>
+            <a:r>
+              <a:rPr lang="en-US" altLang="zh-CN" dirty="0" smtClean="0"/>
+              <a:t>main</a:t>
+            </a:r>
+            <a:r>
+              <a:rPr lang="zh-CN" altLang="en-US" dirty="0" smtClean="0"/>
+              <a:t>为别的</a:t>
+            </a:r>
+            <a:r>
+              <a:rPr lang="en-US" altLang="zh-CN" dirty="0" smtClean="0"/>
+              <a:t>xml</a:t>
+            </a:r>
+            <a:r>
+              <a:rPr lang="zh-CN" altLang="en-US" dirty="0" smtClean="0"/>
+              <a:t>文件</a:t>
+            </a:r>
+            <a:endParaRPr lang="zh-CN" altLang="en-US" dirty="0"/>
+          </a:p>
+        </p:txBody>
+      </p:sp>
+      <p:sp>
+        <p:nvSpPr>
+          <p:cNvPr id="4" name="灯片编号占位符 3"/>
+          <p:cNvSpPr>
+            <a:spLocks noGrp="1"/>
+          </p:cNvSpPr>
+          <p:nvPr>
+            <p:ph type="sldNum" sz="quarter" idx="10"/>
+          </p:nvPr>
+        </p:nvSpPr>
+        <p:spPr/>
+        <p:txBody>
+          <a:bodyPr/>
+          <a:lstStyle/>
+          <a:p>
+            <a:fld id="{67AFED13-18EC-4853-B935-6E23F2540B2D}" type="slidenum">
+              <a:rPr lang="zh-CN" altLang="en-US" smtClean="0"/>
+              <a:t>18</a:t>
+            </a:fld>
+            <a:endParaRPr lang="zh-CN" altLang="en-US"/>
+          </a:p>
+        </p:txBody>
+      </p:sp>
+    </p:spTree>
+    <p:extLst>
+      <p:ext uri="{BB962C8B-B14F-4D97-AF65-F5344CB8AC3E}">
+        <p14:creationId xmlns:p14="http://schemas.microsoft.com/office/powerpoint/2010/main" val="1642605425"/>
+      </p:ext>
+    </p:extLst>
+  </p:cSld>
+  <p:clrMapOvr>
+    <a:masterClrMapping/>
+  </p:clrMapOvr>
+</p:notes>
+</file>
+
+<file path=ppt/notesSlides/notesSlide4.xml><?xml version="1.0" encoding="utf-8"?>
+<p:notes xmlns:a="http://schemas.openxmlformats.org/drawingml/2006/main" xmlns:r="http://schemas.openxmlformats.org/officeDocument/2006/relationships" xmlns:p="http://schemas.openxmlformats.org/presentationml/2006/main">
+  <p:cSld>
+    <p:spTree>
+      <p:nvGrpSpPr>
+        <p:cNvPr id="1" name=""/>
+        <p:cNvGrpSpPr/>
+        <p:nvPr/>
+      </p:nvGrpSpPr>
+      <p:grpSpPr>
+        <a:xfrm>
+          <a:off x="0" y="0"/>
+          <a:ext cx="0" cy="0"/>
+          <a:chOff x="0" y="0"/>
+          <a:chExt cx="0" cy="0"/>
+        </a:xfrm>
+      </p:grpSpPr>
+      <p:sp>
+        <p:nvSpPr>
+          <p:cNvPr id="2" name="幻灯片图像占位符 1"/>
+          <p:cNvSpPr>
+            <a:spLocks noGrp="1" noRot="1" noChangeAspect="1"/>
+          </p:cNvSpPr>
+          <p:nvPr>
+            <p:ph type="sldImg"/>
+          </p:nvPr>
+        </p:nvSpPr>
+        <p:spPr/>
+      </p:sp>
+      <p:sp>
+        <p:nvSpPr>
+          <p:cNvPr id="3" name="备注占位符 2"/>
+          <p:cNvSpPr>
+            <a:spLocks noGrp="1"/>
+          </p:cNvSpPr>
+          <p:nvPr>
+            <p:ph type="body" idx="1"/>
+          </p:nvPr>
+        </p:nvSpPr>
+        <p:spPr/>
+        <p:txBody>
+          <a:bodyPr/>
+          <a:lstStyle/>
+          <a:p>
+            <a:r>
+              <a:rPr lang="en-US" altLang="zh-CN" dirty="0" err="1" smtClean="0"/>
+              <a:t>ViewGroup</a:t>
+            </a:r>
+            <a:r>
+              <a:rPr lang="zh-CN" altLang="en-US" dirty="0" smtClean="0"/>
+              <a:t>是</a:t>
+            </a:r>
+            <a:r>
+              <a:rPr lang="en-US" altLang="zh-CN" dirty="0" smtClean="0"/>
+              <a:t>View</a:t>
+            </a:r>
+            <a:r>
+              <a:rPr lang="zh-CN" altLang="en-US" dirty="0" smtClean="0"/>
+              <a:t>的子类，</a:t>
+            </a:r>
+            <a:r>
+              <a:rPr lang="en-US" altLang="zh-CN" dirty="0" err="1" smtClean="0"/>
+              <a:t>ViewGroup</a:t>
+            </a:r>
+            <a:r>
+              <a:rPr lang="zh-CN" altLang="en-US" dirty="0" smtClean="0"/>
+              <a:t>是一种</a:t>
+            </a:r>
+            <a:r>
+              <a:rPr lang="en-US" altLang="zh-CN" dirty="0" smtClean="0"/>
+              <a:t>View</a:t>
+            </a:r>
+          </a:p>
+          <a:p>
+            <a:r>
+              <a:rPr lang="zh-CN" altLang="en-US" dirty="0" smtClean="0"/>
+              <a:t>最顶层是一个</a:t>
+            </a:r>
+            <a:r>
+              <a:rPr lang="en-US" altLang="zh-CN" dirty="0" err="1" smtClean="0"/>
+              <a:t>ViewGroup</a:t>
+            </a:r>
             <a:endParaRPr lang="zh-CN" altLang="en-US" dirty="0"/>
           </a:p>
         </p:txBody>
@@ -4082,7 +4753,194 @@
 </p:notes>
 </file>
 
-<file path=ppt/notesSlides/notesSlide4.xml><?xml version="1.0" encoding="utf-8"?>
+<file path=ppt/notesSlides/notesSlide5.xml><?xml version="1.0" encoding="utf-8"?>
+<p:notes xmlns:a="http://schemas.openxmlformats.org/drawingml/2006/main" xmlns:r="http://schemas.openxmlformats.org/officeDocument/2006/relationships" xmlns:p="http://schemas.openxmlformats.org/presentationml/2006/main">
+  <p:cSld>
+    <p:spTree>
+      <p:nvGrpSpPr>
+        <p:cNvPr id="1" name=""/>
+        <p:cNvGrpSpPr/>
+        <p:nvPr/>
+      </p:nvGrpSpPr>
+      <p:grpSpPr>
+        <a:xfrm>
+          <a:off x="0" y="0"/>
+          <a:ext cx="0" cy="0"/>
+          <a:chOff x="0" y="0"/>
+          <a:chExt cx="0" cy="0"/>
+        </a:xfrm>
+      </p:grpSpPr>
+      <p:sp>
+        <p:nvSpPr>
+          <p:cNvPr id="2" name="幻灯片图像占位符 1"/>
+          <p:cNvSpPr>
+            <a:spLocks noGrp="1" noRot="1" noChangeAspect="1"/>
+          </p:cNvSpPr>
+          <p:nvPr>
+            <p:ph type="sldImg"/>
+          </p:nvPr>
+        </p:nvSpPr>
+        <p:spPr/>
+      </p:sp>
+      <p:sp>
+        <p:nvSpPr>
+          <p:cNvPr id="3" name="备注占位符 2"/>
+          <p:cNvSpPr>
+            <a:spLocks noGrp="1"/>
+          </p:cNvSpPr>
+          <p:nvPr>
+            <p:ph type="body" idx="1"/>
+          </p:nvPr>
+        </p:nvSpPr>
+        <p:spPr/>
+        <p:txBody>
+          <a:bodyPr/>
+          <a:lstStyle/>
+          <a:p>
+            <a:r>
+              <a:rPr lang="zh-CN" altLang="en-US" dirty="0" smtClean="0"/>
+              <a:t>布局嵌套布局是为了方便进行界面布局，不同的布局类有不同的特点，有的横向显示，有的纵向显示，有的设置绝对位置，有的设置相对位置</a:t>
+            </a:r>
+            <a:endParaRPr lang="en-US" altLang="zh-CN" dirty="0" smtClean="0"/>
+          </a:p>
+          <a:p>
+            <a:r>
+              <a:rPr lang="zh-CN" altLang="en-US" dirty="0" smtClean="0"/>
+              <a:t>为什么不都设置绝对位置，因为手机存在不同的尺寸</a:t>
+            </a:r>
+            <a:endParaRPr lang="zh-CN" altLang="en-US" dirty="0"/>
+          </a:p>
+        </p:txBody>
+      </p:sp>
+      <p:sp>
+        <p:nvSpPr>
+          <p:cNvPr id="4" name="灯片编号占位符 3"/>
+          <p:cNvSpPr>
+            <a:spLocks noGrp="1"/>
+          </p:cNvSpPr>
+          <p:nvPr>
+            <p:ph type="sldNum" sz="quarter" idx="10"/>
+          </p:nvPr>
+        </p:nvSpPr>
+        <p:spPr/>
+        <p:txBody>
+          <a:bodyPr/>
+          <a:lstStyle/>
+          <a:p>
+            <a:fld id="{67AFED13-18EC-4853-B935-6E23F2540B2D}" type="slidenum">
+              <a:rPr lang="zh-CN" altLang="en-US" smtClean="0"/>
+              <a:t>22</a:t>
+            </a:fld>
+            <a:endParaRPr lang="zh-CN" altLang="en-US"/>
+          </a:p>
+        </p:txBody>
+      </p:sp>
+    </p:spTree>
+    <p:extLst>
+      <p:ext uri="{BB962C8B-B14F-4D97-AF65-F5344CB8AC3E}">
+        <p14:creationId xmlns:p14="http://schemas.microsoft.com/office/powerpoint/2010/main" val="2541915538"/>
+      </p:ext>
+    </p:extLst>
+  </p:cSld>
+  <p:clrMapOvr>
+    <a:masterClrMapping/>
+  </p:clrMapOvr>
+</p:notes>
+</file>
+
+<file path=ppt/notesSlides/notesSlide6.xml><?xml version="1.0" encoding="utf-8"?>
+<p:notes xmlns:a="http://schemas.openxmlformats.org/drawingml/2006/main" xmlns:r="http://schemas.openxmlformats.org/officeDocument/2006/relationships" xmlns:p="http://schemas.openxmlformats.org/presentationml/2006/main">
+  <p:cSld>
+    <p:spTree>
+      <p:nvGrpSpPr>
+        <p:cNvPr id="1" name=""/>
+        <p:cNvGrpSpPr/>
+        <p:nvPr/>
+      </p:nvGrpSpPr>
+      <p:grpSpPr>
+        <a:xfrm>
+          <a:off x="0" y="0"/>
+          <a:ext cx="0" cy="0"/>
+          <a:chOff x="0" y="0"/>
+          <a:chExt cx="0" cy="0"/>
+        </a:xfrm>
+      </p:grpSpPr>
+      <p:sp>
+        <p:nvSpPr>
+          <p:cNvPr id="2" name="幻灯片图像占位符 1"/>
+          <p:cNvSpPr>
+            <a:spLocks noGrp="1" noRot="1" noChangeAspect="1"/>
+          </p:cNvSpPr>
+          <p:nvPr>
+            <p:ph type="sldImg"/>
+          </p:nvPr>
+        </p:nvSpPr>
+        <p:spPr/>
+      </p:sp>
+      <p:sp>
+        <p:nvSpPr>
+          <p:cNvPr id="3" name="备注占位符 2"/>
+          <p:cNvSpPr>
+            <a:spLocks noGrp="1"/>
+          </p:cNvSpPr>
+          <p:nvPr>
+            <p:ph type="body" idx="1"/>
+          </p:nvPr>
+        </p:nvSpPr>
+        <p:spPr/>
+        <p:txBody>
+          <a:bodyPr/>
+          <a:lstStyle/>
+          <a:p>
+            <a:r>
+              <a:rPr lang="en-US" altLang="zh-CN" dirty="0" err="1" smtClean="0"/>
+              <a:t>LinearLayout</a:t>
+            </a:r>
+            <a:r>
+              <a:rPr lang="zh-CN" altLang="en-US" dirty="0" smtClean="0"/>
+              <a:t>线性布局，横向和纵向</a:t>
+            </a:r>
+            <a:endParaRPr lang="zh-CN" altLang="en-US" dirty="0"/>
+          </a:p>
+        </p:txBody>
+      </p:sp>
+      <p:sp>
+        <p:nvSpPr>
+          <p:cNvPr id="4" name="灯片编号占位符 3"/>
+          <p:cNvSpPr>
+            <a:spLocks noGrp="1"/>
+          </p:cNvSpPr>
+          <p:nvPr>
+            <p:ph type="sldNum" sz="quarter" idx="10"/>
+          </p:nvPr>
+        </p:nvSpPr>
+        <p:spPr/>
+        <p:txBody>
+          <a:bodyPr/>
+          <a:lstStyle/>
+          <a:p>
+            <a:fld id="{67AFED13-18EC-4853-B935-6E23F2540B2D}" type="slidenum">
+              <a:rPr lang="zh-CN" altLang="en-US" smtClean="0"/>
+              <a:t>24</a:t>
+            </a:fld>
+            <a:endParaRPr lang="zh-CN" altLang="en-US"/>
+          </a:p>
+        </p:txBody>
+      </p:sp>
+    </p:spTree>
+    <p:extLst>
+      <p:ext uri="{BB962C8B-B14F-4D97-AF65-F5344CB8AC3E}">
+        <p14:creationId xmlns:p14="http://schemas.microsoft.com/office/powerpoint/2010/main" val="1490453291"/>
+      </p:ext>
+    </p:extLst>
+  </p:cSld>
+  <p:clrMapOvr>
+    <a:masterClrMapping/>
+  </p:clrMapOvr>
+</p:notes>
+</file>
+
+<file path=ppt/notesSlides/notesSlide7.xml><?xml version="1.0" encoding="utf-8"?>
 <p:notes xmlns:a="http://schemas.openxmlformats.org/drawingml/2006/main" xmlns:r="http://schemas.openxmlformats.org/officeDocument/2006/relationships" xmlns:p="http://schemas.openxmlformats.org/presentationml/2006/main">
   <p:cSld>
     <p:spTree>
@@ -4166,7 +5024,119 @@
 </p:notes>
 </file>
 
-<file path=ppt/notesSlides/notesSlide5.xml><?xml version="1.0" encoding="utf-8"?>
+<file path=ppt/notesSlides/notesSlide8.xml><?xml version="1.0" encoding="utf-8"?>
+<p:notes xmlns:a="http://schemas.openxmlformats.org/drawingml/2006/main" xmlns:r="http://schemas.openxmlformats.org/officeDocument/2006/relationships" xmlns:p="http://schemas.openxmlformats.org/presentationml/2006/main">
+  <p:cSld>
+    <p:spTree>
+      <p:nvGrpSpPr>
+        <p:cNvPr id="1" name=""/>
+        <p:cNvGrpSpPr/>
+        <p:nvPr/>
+      </p:nvGrpSpPr>
+      <p:grpSpPr>
+        <a:xfrm>
+          <a:off x="0" y="0"/>
+          <a:ext cx="0" cy="0"/>
+          <a:chOff x="0" y="0"/>
+          <a:chExt cx="0" cy="0"/>
+        </a:xfrm>
+      </p:grpSpPr>
+      <p:sp>
+        <p:nvSpPr>
+          <p:cNvPr id="2" name="幻灯片图像占位符 1"/>
+          <p:cNvSpPr>
+            <a:spLocks noGrp="1" noRot="1" noChangeAspect="1"/>
+          </p:cNvSpPr>
+          <p:nvPr>
+            <p:ph type="sldImg"/>
+          </p:nvPr>
+        </p:nvSpPr>
+        <p:spPr/>
+      </p:sp>
+      <p:sp>
+        <p:nvSpPr>
+          <p:cNvPr id="3" name="备注占位符 2"/>
+          <p:cNvSpPr>
+            <a:spLocks noGrp="1"/>
+          </p:cNvSpPr>
+          <p:nvPr>
+            <p:ph type="body" idx="1"/>
+          </p:nvPr>
+        </p:nvSpPr>
+        <p:spPr/>
+        <p:txBody>
+          <a:bodyPr/>
+          <a:lstStyle/>
+          <a:p>
+            <a:r>
+              <a:rPr lang="zh-CN" altLang="en-US" dirty="0" smtClean="0"/>
+              <a:t>重点是</a:t>
+            </a:r>
+            <a:r>
+              <a:rPr lang="en-US" altLang="zh-CN" dirty="0" smtClean="0"/>
+              <a:t>id</a:t>
+            </a:r>
+            <a:r>
+              <a:rPr lang="zh-CN" altLang="en-US" dirty="0" smtClean="0"/>
+              <a:t>属性，</a:t>
+            </a:r>
+            <a:r>
+              <a:rPr lang="en-US" altLang="zh-CN" dirty="0" smtClean="0"/>
+              <a:t>id</a:t>
+            </a:r>
+            <a:r>
+              <a:rPr lang="zh-CN" altLang="en-US" dirty="0" smtClean="0"/>
+              <a:t>作用是唯一标示一个控件的，为什么要标示，因为可能会在</a:t>
+            </a:r>
+            <a:r>
+              <a:rPr lang="en-US" altLang="zh-CN" dirty="0" smtClean="0"/>
+              <a:t>Activity</a:t>
+            </a:r>
+            <a:r>
+              <a:rPr lang="zh-CN" altLang="en-US" dirty="0" smtClean="0"/>
+              <a:t>中使用到这个控件</a:t>
+            </a:r>
+            <a:endParaRPr lang="zh-CN" altLang="en-US" dirty="0"/>
+          </a:p>
+        </p:txBody>
+      </p:sp>
+      <p:sp>
+        <p:nvSpPr>
+          <p:cNvPr id="4" name="灯片编号占位符 3"/>
+          <p:cNvSpPr>
+            <a:spLocks noGrp="1"/>
+          </p:cNvSpPr>
+          <p:nvPr>
+            <p:ph type="sldNum" sz="quarter" idx="10"/>
+          </p:nvPr>
+        </p:nvSpPr>
+        <p:spPr/>
+        <p:txBody>
+          <a:bodyPr/>
+          <a:lstStyle/>
+          <a:p>
+            <a:fld id="{67AFED13-18EC-4853-B935-6E23F2540B2D}" type="slidenum">
+              <a:rPr lang="zh-CN" altLang="en-US" smtClean="0"/>
+              <a:t>27</a:t>
+            </a:fld>
+            <a:endParaRPr lang="zh-CN" altLang="en-US"/>
+          </a:p>
+        </p:txBody>
+      </p:sp>
+    </p:spTree>
+    <p:extLst>
+      <p:ext uri="{BB962C8B-B14F-4D97-AF65-F5344CB8AC3E}">
+        <p14:creationId xmlns:p14="http://schemas.microsoft.com/office/powerpoint/2010/main" val="932137279"/>
+      </p:ext>
+    </p:extLst>
+  </p:cSld>
+  <p:clrMapOvr>
+    <a:masterClrMapping/>
+  </p:clrMapOvr>
+</p:notes>
+</file>
+
+<file path=ppt/notesSlides/notesSlide9.xml><?xml version="1.0" encoding="utf-8"?>
 <p:notes xmlns:a="http://schemas.openxmlformats.org/drawingml/2006/main" xmlns:r="http://schemas.openxmlformats.org/officeDocument/2006/relationships" xmlns:p="http://schemas.openxmlformats.org/presentationml/2006/main">
   <p:cSld>
     <p:spTree>
@@ -4231,7 +5201,7 @@
           <a:p>
             <a:fld id="{67AFED13-18EC-4853-B935-6E23F2540B2D}" type="slidenum">
               <a:rPr lang="zh-CN" altLang="en-US" smtClean="0"/>
-              <a:t>37</a:t>
+              <a:t>28</a:t>
             </a:fld>
             <a:endParaRPr lang="zh-CN" altLang="en-US"/>
           </a:p>
@@ -4240,210 +5210,7 @@
     </p:spTree>
     <p:extLst>
       <p:ext uri="{BB962C8B-B14F-4D97-AF65-F5344CB8AC3E}">
-        <p14:creationId xmlns:p14="http://schemas.microsoft.com/office/powerpoint/2010/main" val="2400868530"/>
-      </p:ext>
-    </p:extLst>
-  </p:cSld>
-  <p:clrMapOvr>
-    <a:masterClrMapping/>
-  </p:clrMapOvr>
-</p:notes>
-</file>
-
-<file path=ppt/notesSlides/notesSlide6.xml><?xml version="1.0" encoding="utf-8"?>
-<p:notes xmlns:a="http://schemas.openxmlformats.org/drawingml/2006/main" xmlns:r="http://schemas.openxmlformats.org/officeDocument/2006/relationships" xmlns:p="http://schemas.openxmlformats.org/presentationml/2006/main">
-  <p:cSld>
-    <p:spTree>
-      <p:nvGrpSpPr>
-        <p:cNvPr id="1" name=""/>
-        <p:cNvGrpSpPr/>
-        <p:nvPr/>
-      </p:nvGrpSpPr>
-      <p:grpSpPr>
-        <a:xfrm>
-          <a:off x="0" y="0"/>
-          <a:ext cx="0" cy="0"/>
-          <a:chOff x="0" y="0"/>
-          <a:chExt cx="0" cy="0"/>
-        </a:xfrm>
-      </p:grpSpPr>
-      <p:sp>
-        <p:nvSpPr>
-          <p:cNvPr id="2" name="幻灯片图像占位符 1"/>
-          <p:cNvSpPr>
-            <a:spLocks noGrp="1" noRot="1" noChangeAspect="1"/>
-          </p:cNvSpPr>
-          <p:nvPr>
-            <p:ph type="sldImg"/>
-          </p:nvPr>
-        </p:nvSpPr>
-        <p:spPr/>
-      </p:sp>
-      <p:sp>
-        <p:nvSpPr>
-          <p:cNvPr id="3" name="备注占位符 2"/>
-          <p:cNvSpPr>
-            <a:spLocks noGrp="1"/>
-          </p:cNvSpPr>
-          <p:nvPr>
-            <p:ph type="body" idx="1"/>
-          </p:nvPr>
-        </p:nvSpPr>
-        <p:spPr/>
-        <p:txBody>
-          <a:bodyPr/>
-          <a:lstStyle/>
-          <a:p>
-            <a:r>
-              <a:rPr lang="zh-CN" altLang="en-US" dirty="0"/>
-              <a:t>换一个事件，找一些常用的控件的常用事件 </a:t>
-            </a:r>
-            <a:endParaRPr lang="en-US" altLang="zh-CN" dirty="0"/>
-          </a:p>
-          <a:p>
-            <a:r>
-              <a:rPr lang="zh-CN" altLang="en-US" dirty="0"/>
-              <a:t>第</a:t>
-            </a:r>
-            <a:r>
-              <a:rPr lang="en-US" altLang="zh-CN" dirty="0"/>
-              <a:t>2</a:t>
-            </a:r>
-            <a:r>
-              <a:rPr lang="zh-CN" altLang="en-US" dirty="0"/>
-              <a:t>种方法：</a:t>
-            </a:r>
-            <a:endParaRPr lang="en-US" altLang="zh-CN" dirty="0"/>
-          </a:p>
-          <a:p>
-            <a:endParaRPr lang="zh-CN" altLang="en-US" dirty="0"/>
-          </a:p>
-        </p:txBody>
-      </p:sp>
-      <p:sp>
-        <p:nvSpPr>
-          <p:cNvPr id="4" name="灯片编号占位符 3"/>
-          <p:cNvSpPr>
-            <a:spLocks noGrp="1"/>
-          </p:cNvSpPr>
-          <p:nvPr>
-            <p:ph type="sldNum" sz="quarter" idx="10"/>
-          </p:nvPr>
-        </p:nvSpPr>
-        <p:spPr/>
-        <p:txBody>
-          <a:bodyPr/>
-          <a:lstStyle/>
-          <a:p>
-            <a:fld id="{67AFED13-18EC-4853-B935-6E23F2540B2D}" type="slidenum">
-              <a:rPr lang="zh-CN" altLang="en-US" smtClean="0"/>
-              <a:t>38</a:t>
-            </a:fld>
-            <a:endParaRPr lang="zh-CN" altLang="en-US"/>
-          </a:p>
-        </p:txBody>
-      </p:sp>
-    </p:spTree>
-    <p:extLst>
-      <p:ext uri="{BB962C8B-B14F-4D97-AF65-F5344CB8AC3E}">
-        <p14:creationId xmlns:p14="http://schemas.microsoft.com/office/powerpoint/2010/main" val="2817571521"/>
-      </p:ext>
-    </p:extLst>
-  </p:cSld>
-  <p:clrMapOvr>
-    <a:masterClrMapping/>
-  </p:clrMapOvr>
-</p:notes>
-</file>
-
-<file path=ppt/notesSlides/notesSlide7.xml><?xml version="1.0" encoding="utf-8"?>
-<p:notes xmlns:a="http://schemas.openxmlformats.org/drawingml/2006/main" xmlns:r="http://schemas.openxmlformats.org/officeDocument/2006/relationships" xmlns:p="http://schemas.openxmlformats.org/presentationml/2006/main">
-  <p:cSld>
-    <p:spTree>
-      <p:nvGrpSpPr>
-        <p:cNvPr id="1" name=""/>
-        <p:cNvGrpSpPr/>
-        <p:nvPr/>
-      </p:nvGrpSpPr>
-      <p:grpSpPr>
-        <a:xfrm>
-          <a:off x="0" y="0"/>
-          <a:ext cx="0" cy="0"/>
-          <a:chOff x="0" y="0"/>
-          <a:chExt cx="0" cy="0"/>
-        </a:xfrm>
-      </p:grpSpPr>
-      <p:sp>
-        <p:nvSpPr>
-          <p:cNvPr id="2" name="幻灯片图像占位符 1"/>
-          <p:cNvSpPr>
-            <a:spLocks noGrp="1" noRot="1" noChangeAspect="1"/>
-          </p:cNvSpPr>
-          <p:nvPr>
-            <p:ph type="sldImg"/>
-          </p:nvPr>
-        </p:nvSpPr>
-        <p:spPr/>
-      </p:sp>
-      <p:sp>
-        <p:nvSpPr>
-          <p:cNvPr id="3" name="备注占位符 2"/>
-          <p:cNvSpPr>
-            <a:spLocks noGrp="1"/>
-          </p:cNvSpPr>
-          <p:nvPr>
-            <p:ph type="body" idx="1"/>
-          </p:nvPr>
-        </p:nvSpPr>
-        <p:spPr/>
-        <p:txBody>
-          <a:bodyPr/>
-          <a:lstStyle/>
-          <a:p>
-            <a:r>
-              <a:rPr lang="zh-CN" altLang="en-US" dirty="0"/>
-              <a:t>原理性的东西：比如事件监听器的执行过程（以图表形式展示较好）</a:t>
-            </a:r>
-            <a:endParaRPr lang="en-US" altLang="zh-CN" dirty="0"/>
-          </a:p>
-          <a:p>
-            <a:endParaRPr lang="en-US" altLang="zh-CN" dirty="0"/>
-          </a:p>
-          <a:p>
-            <a:r>
-              <a:rPr lang="zh-CN" altLang="en-US" dirty="0"/>
-              <a:t>把握住重点，不要过细</a:t>
-            </a:r>
-          </a:p>
-        </p:txBody>
-      </p:sp>
-      <p:sp>
-        <p:nvSpPr>
-          <p:cNvPr id="4" name="灯片编号占位符 3"/>
-          <p:cNvSpPr>
-            <a:spLocks noGrp="1"/>
-          </p:cNvSpPr>
-          <p:nvPr>
-            <p:ph type="sldNum" sz="quarter" idx="10"/>
-          </p:nvPr>
-        </p:nvSpPr>
-        <p:spPr/>
-        <p:txBody>
-          <a:bodyPr/>
-          <a:lstStyle/>
-          <a:p>
-            <a:fld id="{67AFED13-18EC-4853-B935-6E23F2540B2D}" type="slidenum">
-              <a:rPr lang="zh-CN" altLang="en-US" smtClean="0"/>
-              <a:t>39</a:t>
-            </a:fld>
-            <a:endParaRPr lang="zh-CN" altLang="en-US"/>
-          </a:p>
-        </p:txBody>
-      </p:sp>
-    </p:spTree>
-    <p:extLst>
-      <p:ext uri="{BB962C8B-B14F-4D97-AF65-F5344CB8AC3E}">
-        <p14:creationId xmlns:p14="http://schemas.microsoft.com/office/powerpoint/2010/main" val="2470357146"/>
+        <p14:creationId xmlns:p14="http://schemas.microsoft.com/office/powerpoint/2010/main" val="1931688218"/>
       </p:ext>
     </p:extLst>
   </p:cSld>
@@ -5515,7 +6282,7 @@
           <a:p>
             <a:fld id="{530820CF-B880-4189-942D-D702A7CBA730}" type="datetimeFigureOut">
               <a:rPr lang="zh-CN" altLang="en-US" smtClean="0"/>
-              <a:t>2018/3/6</a:t>
+              <a:t>2018/9/10</a:t>
             </a:fld>
             <a:endParaRPr lang="zh-CN" altLang="en-US"/>
           </a:p>
@@ -5634,7 +6401,7 @@
           <a:p>
             <a:fld id="{530820CF-B880-4189-942D-D702A7CBA730}" type="datetimeFigureOut">
               <a:rPr lang="zh-CN" altLang="en-US" smtClean="0"/>
-              <a:t>2018/3/6</a:t>
+              <a:t>2018/9/10</a:t>
             </a:fld>
             <a:endParaRPr lang="zh-CN" altLang="en-US"/>
           </a:p>
@@ -6037,7 +6804,7 @@
           <a:p>
             <a:fld id="{530820CF-B880-4189-942D-D702A7CBA730}" type="datetimeFigureOut">
               <a:rPr lang="zh-CN" altLang="en-US" smtClean="0"/>
-              <a:t>2018/3/6</a:t>
+              <a:t>2018/9/10</a:t>
             </a:fld>
             <a:endParaRPr lang="zh-CN" altLang="en-US"/>
           </a:p>
@@ -6719,10 +7486,10 @@
                   </a:schemeClr>
                 </a:solidFill>
               </a:rPr>
-              <a:t>应用</a:t>
-            </a:r>
-            <a:r>
-              <a:rPr lang="zh-CN" altLang="en-US" sz="3200">
+              <a:t>应用中</a:t>
+            </a:r>
+            <a:r>
+              <a:rPr lang="zh-CN" altLang="en-US" sz="3200" dirty="0" smtClean="0">
                 <a:solidFill>
                   <a:schemeClr val="tx1">
                     <a:lumMod val="75000"/>
@@ -6730,21 +7497,10 @@
                   </a:schemeClr>
                 </a:solidFill>
               </a:rPr>
-              <a:t>中</a:t>
-            </a:r>
-            <a:r>
-              <a:rPr lang="zh-CN" altLang="en-US" sz="3200" smtClean="0">
-                <a:solidFill>
-                  <a:schemeClr val="tx1">
-                    <a:lumMod val="75000"/>
-                    <a:lumOff val="25000"/>
-                  </a:schemeClr>
-                </a:solidFill>
-              </a:rPr>
               <a:t>，</a:t>
             </a:r>
             <a:r>
-              <a:rPr lang="zh-CN" altLang="en-US" sz="3200">
+              <a:rPr lang="zh-CN" altLang="en-US" sz="3200" dirty="0">
                 <a:solidFill>
                   <a:srgbClr val="C00000"/>
                 </a:solidFill>
@@ -6752,7 +7508,7 @@
               <a:t>应用中每个界面对应一个</a:t>
             </a:r>
             <a:r>
-              <a:rPr lang="en-US" altLang="zh-CN" sz="3200">
+              <a:rPr lang="en-US" altLang="zh-CN" sz="3200" dirty="0">
                 <a:solidFill>
                   <a:srgbClr val="C00000"/>
                 </a:solidFill>
@@ -6760,7 +7516,7 @@
               <a:t>Activity</a:t>
             </a:r>
             <a:r>
-              <a:rPr lang="zh-CN" altLang="en-US" sz="3200" smtClean="0">
+              <a:rPr lang="zh-CN" altLang="en-US" sz="3200" dirty="0" smtClean="0">
                 <a:solidFill>
                   <a:srgbClr val="C00000"/>
                 </a:solidFill>
@@ -7418,7 +8174,7 @@
               <a:t>UI</a:t>
             </a:r>
             <a:r>
-              <a:rPr lang="zh-CN" altLang="en-US" sz="3200" dirty="0">
+              <a:rPr lang="zh-CN" altLang="en-US" sz="3200" dirty="0" smtClean="0">
                 <a:solidFill>
                   <a:schemeClr val="tx1">
                     <a:lumMod val="85000"/>
@@ -7426,7 +8182,18 @@
                   </a:schemeClr>
                 </a:solidFill>
               </a:rPr>
-              <a:t>界面与及处理数据等工作。</a:t>
+              <a:t>界面及</a:t>
+            </a:r>
+            <a:r>
+              <a:rPr lang="zh-CN" altLang="en-US" sz="3200" dirty="0">
+                <a:solidFill>
+                  <a:schemeClr val="tx1">
+                    <a:lumMod val="85000"/>
+                    <a:lumOff val="15000"/>
+                  </a:schemeClr>
+                </a:solidFill>
+              </a:rPr>
+              <a:t>处理数据等工作。</a:t>
             </a:r>
             <a:endParaRPr lang="en-US" altLang="zh-CN" sz="3200" dirty="0">
               <a:solidFill>
@@ -7558,7 +8325,7 @@
               <a:t>模型：</a:t>
             </a:r>
             <a:r>
-              <a:rPr lang="zh-CN" altLang="en-US" sz="3200">
+              <a:rPr lang="zh-CN" altLang="en-US" sz="3200" dirty="0">
                 <a:solidFill>
                   <a:srgbClr val="C00000"/>
                 </a:solidFill>
@@ -7566,7 +8333,7 @@
               <a:t>数据模型</a:t>
             </a:r>
             <a:r>
-              <a:rPr lang="zh-CN" altLang="en-US" sz="3200" smtClean="0">
+              <a:rPr lang="zh-CN" altLang="en-US" sz="3200" dirty="0" smtClean="0">
                 <a:solidFill>
                   <a:schemeClr val="tx1">
                     <a:lumMod val="85000"/>
@@ -7904,7 +8671,39 @@
                   <a:srgbClr val="C00000"/>
                 </a:solidFill>
               </a:rPr>
-              <a:t>模型层负责对数据的操作、对网络服务等的操作</a:t>
+              <a:t>模型层负责对数据的操作</a:t>
+            </a:r>
+            <a:r>
+              <a:rPr lang="zh-CN" altLang="en-US" sz="3200" dirty="0" smtClean="0">
+                <a:solidFill>
+                  <a:srgbClr val="C00000"/>
+                </a:solidFill>
+              </a:rPr>
+              <a:t>、</a:t>
+            </a:r>
+            <a:r>
+              <a:rPr lang="zh-CN" altLang="en-US" sz="3200" dirty="0">
+                <a:solidFill>
+                  <a:srgbClr val="C00000"/>
+                </a:solidFill>
+              </a:rPr>
+              <a:t>对网络服务</a:t>
+            </a:r>
+            <a:r>
+              <a:rPr lang="zh-CN" altLang="en-US" sz="3200" dirty="0" smtClean="0">
+                <a:solidFill>
+                  <a:srgbClr val="C00000"/>
+                </a:solidFill>
+              </a:rPr>
+              <a:t>等</a:t>
+            </a:r>
+            <a:r>
+              <a:rPr lang="zh-CN" altLang="en-US" sz="3200" dirty="0">
+                <a:solidFill>
+                  <a:srgbClr val="C00000"/>
+                </a:solidFill>
+              </a:rPr>
+              <a:t>的操作</a:t>
             </a:r>
             <a:r>
               <a:rPr lang="zh-CN" altLang="en-US" sz="3200" dirty="0">
@@ -9482,7 +10281,7 @@
                 <a:gridCol w="9480159">
                   <a:extLst>
                     <a:ext uri="{9D8B030D-6E8A-4147-A177-3AD203B41FA5}">
-                      <a16:colId xmlns:a16="http://schemas.microsoft.com/office/drawing/2014/main" val="20000"/>
+                      <a16:colId xmlns="" xmlns:a16="http://schemas.microsoft.com/office/drawing/2014/main" val="20000"/>
                     </a:ext>
                   </a:extLst>
                 </a:gridCol>
@@ -9776,7 +10575,7 @@
                 </a:tc>
                 <a:extLst>
                   <a:ext uri="{0D108BD9-81ED-4DB2-BD59-A6C34878D82A}">
-                    <a16:rowId xmlns:a16="http://schemas.microsoft.com/office/drawing/2014/main" val="10000"/>
+                    <a16:rowId xmlns="" xmlns:a16="http://schemas.microsoft.com/office/drawing/2014/main" val="10000"/>
                   </a:ext>
                 </a:extLst>
               </a:tr>
@@ -13759,7 +14558,7 @@
               <a:t>Android</a:t>
             </a:r>
             <a:r>
-              <a:rPr lang="zh-CN" altLang="en-US" sz="3200" dirty="0">
+              <a:rPr lang="zh-CN" altLang="en-US" sz="3200">
                 <a:solidFill>
                   <a:schemeClr val="tx1">
                     <a:lumMod val="85000"/>
@@ -13767,7 +14566,18 @@
                   </a:schemeClr>
                 </a:solidFill>
               </a:rPr>
-              <a:t>中创建布局有</a:t>
+              <a:t>中</a:t>
+            </a:r>
+            <a:r>
+              <a:rPr lang="zh-CN" altLang="en-US" sz="3200" smtClean="0">
+                <a:solidFill>
+                  <a:schemeClr val="tx1">
+                    <a:lumMod val="85000"/>
+                    <a:lumOff val="15000"/>
+                  </a:schemeClr>
+                </a:solidFill>
+              </a:rPr>
+              <a:t>创建视图界面有</a:t>
             </a:r>
             <a:r>
               <a:rPr lang="en-US" altLang="zh-CN" sz="3200" dirty="0">
@@ -13905,9 +14715,6 @@
               <a:spcBef>
                 <a:spcPts val="0"/>
               </a:spcBef>
-              <a:spcAft>
-                <a:spcPts val="600"/>
-              </a:spcAft>
               <a:defRPr/>
             </a:pPr>
             <a:r>
@@ -13919,7 +14726,89 @@
                   </a:schemeClr>
                 </a:solidFill>
               </a:rPr>
-              <a:t>最常用的布局方式，但只能创建静态界面</a:t>
+              <a:t>最常用的布局方式，但只能创建静态</a:t>
+            </a:r>
+            <a:r>
+              <a:rPr lang="zh-CN" altLang="en-US" sz="2800" dirty="0" smtClean="0">
+                <a:solidFill>
+                  <a:schemeClr val="tx1">
+                    <a:lumMod val="85000"/>
+                    <a:lumOff val="15000"/>
+                  </a:schemeClr>
+                </a:solidFill>
+              </a:rPr>
+              <a:t>界面</a:t>
+            </a:r>
+            <a:endParaRPr lang="en-US" altLang="zh-CN" sz="2800" dirty="0">
+              <a:solidFill>
+                <a:schemeClr val="tx1">
+                  <a:lumMod val="85000"/>
+                  <a:lumOff val="15000"/>
+                </a:schemeClr>
+              </a:solidFill>
+            </a:endParaRPr>
+          </a:p>
+          <a:p>
+            <a:pPr lvl="2">
+              <a:spcBef>
+                <a:spcPts val="600"/>
+              </a:spcBef>
+              <a:defRPr/>
+            </a:pPr>
+            <a:r>
+              <a:rPr lang="zh-CN" altLang="en-US" sz="2800" dirty="0">
+                <a:solidFill>
+                  <a:schemeClr val="tx1">
+                    <a:lumMod val="85000"/>
+                    <a:lumOff val="15000"/>
+                  </a:schemeClr>
+                </a:solidFill>
+              </a:rPr>
+              <a:t>使用</a:t>
+            </a:r>
+            <a:r>
+              <a:rPr lang="en-US" altLang="zh-CN" sz="2800" dirty="0" err="1">
+                <a:solidFill>
+                  <a:schemeClr val="tx1">
+                    <a:lumMod val="85000"/>
+                    <a:lumOff val="15000"/>
+                  </a:schemeClr>
+                </a:solidFill>
+              </a:rPr>
+              <a:t>findViewById</a:t>
+            </a:r>
+            <a:r>
+              <a:rPr lang="en-US" altLang="zh-CN" sz="2800" dirty="0">
+                <a:solidFill>
+                  <a:schemeClr val="tx1">
+                    <a:lumMod val="85000"/>
+                    <a:lumOff val="15000"/>
+                  </a:schemeClr>
+                </a:solidFill>
+              </a:rPr>
+              <a:t>( )</a:t>
+            </a:r>
+            <a:r>
+              <a:rPr lang="zh-CN" altLang="en-US" sz="2800" dirty="0">
+                <a:solidFill>
+                  <a:schemeClr val="tx1">
+                    <a:lumMod val="85000"/>
+                    <a:lumOff val="15000"/>
+                  </a:schemeClr>
+                </a:solidFill>
+              </a:rPr>
+              <a:t>方法得到</a:t>
+            </a:r>
+            <a:r>
+              <a:rPr lang="zh-CN" altLang="en-US" sz="2800" dirty="0" smtClean="0">
+                <a:solidFill>
+                  <a:schemeClr val="tx1">
+                    <a:lumMod val="85000"/>
+                    <a:lumOff val="15000"/>
+                  </a:schemeClr>
+                </a:solidFill>
+              </a:rPr>
+              <a:t>对象</a:t>
             </a:r>
             <a:endParaRPr lang="en-US" altLang="zh-CN" sz="2800" dirty="0">
               <a:solidFill>
@@ -13998,26 +14887,10 @@
                   </a:schemeClr>
                 </a:solidFill>
               </a:rPr>
-              <a:t>最灵活的布局方式，但复杂度较大</a:t>
-            </a:r>
-            <a:endParaRPr lang="en-US" altLang="zh-CN" sz="2800" dirty="0">
-              <a:solidFill>
-                <a:schemeClr val="tx1">
-                  <a:lumMod val="85000"/>
-                  <a:lumOff val="15000"/>
-                </a:schemeClr>
-              </a:solidFill>
-            </a:endParaRPr>
-          </a:p>
-          <a:p>
-            <a:pPr lvl="2">
-              <a:spcBef>
-                <a:spcPts val="600"/>
-              </a:spcBef>
-              <a:defRPr/>
-            </a:pPr>
-            <a:r>
-              <a:rPr lang="zh-CN" altLang="en-US" sz="2800" dirty="0">
+              <a:t>最灵活的布局方式，但复杂度</a:t>
+            </a:r>
+            <a:r>
+              <a:rPr lang="zh-CN" altLang="en-US" sz="2800" dirty="0" smtClean="0">
                 <a:solidFill>
                   <a:schemeClr val="tx1">
                     <a:lumMod val="85000"/>
@@ -14025,62 +14898,7 @@
                   </a:schemeClr>
                 </a:solidFill>
               </a:rPr>
-              <a:t>使用</a:t>
-            </a:r>
-            <a:r>
-              <a:rPr lang="en-US" altLang="zh-CN" sz="2800" dirty="0" smtClean="0">
-                <a:solidFill>
-                  <a:schemeClr val="tx1">
-                    <a:lumMod val="85000"/>
-                    <a:lumOff val="15000"/>
-                  </a:schemeClr>
-                </a:solidFill>
-              </a:rPr>
-              <a:t>findViewById</a:t>
-            </a:r>
-            <a:r>
-              <a:rPr lang="en-US" altLang="zh-CN" sz="2800" dirty="0">
-                <a:solidFill>
-                  <a:schemeClr val="tx1">
-                    <a:lumMod val="85000"/>
-                    <a:lumOff val="15000"/>
-                  </a:schemeClr>
-                </a:solidFill>
-              </a:rPr>
-              <a:t>( )</a:t>
-            </a:r>
-            <a:r>
-              <a:rPr lang="zh-CN" altLang="en-US" sz="2800" dirty="0">
-                <a:solidFill>
-                  <a:schemeClr val="tx1">
-                    <a:lumMod val="85000"/>
-                    <a:lumOff val="15000"/>
-                  </a:schemeClr>
-                </a:solidFill>
-              </a:rPr>
-              <a:t>方法</a:t>
-            </a:r>
-            <a:r>
-              <a:rPr lang="zh-CN" altLang="en-US" sz="2800">
-                <a:solidFill>
-                  <a:schemeClr val="tx1">
-                    <a:lumMod val="85000"/>
-                    <a:lumOff val="15000"/>
-                  </a:schemeClr>
-                </a:solidFill>
-              </a:rPr>
-              <a:t>得到</a:t>
-            </a:r>
-            <a:r>
-              <a:rPr lang="zh-CN" altLang="en-US" sz="2800" smtClean="0">
-                <a:solidFill>
-                  <a:schemeClr val="tx1">
-                    <a:lumMod val="85000"/>
-                    <a:lumOff val="15000"/>
-                  </a:schemeClr>
-                </a:solidFill>
-              </a:rPr>
-              <a:t>对象</a:t>
+              <a:t>较大</a:t>
             </a:r>
             <a:endParaRPr lang="zh-CN" altLang="en-US" sz="2800" dirty="0">
               <a:solidFill>
@@ -14775,9 +15593,9 @@
             <a:r>
               <a:rPr lang="en-US" altLang="zh-CN" sz="2000" dirty="0">
                 <a:latin typeface="Consolas" panose="020B0609020204030204" pitchFamily="49" charset="0"/>
-                <a:hlinkClick r:id="rId2"/>
-              </a:rPr>
-              <a:t>http://developer.android.com/reference/android/view/View.html#lattrs</a:t>
+                <a:hlinkClick r:id="rId3"/>
+              </a:rPr>
+              <a:t>https://developer.android.google.cn/reference/android/view/View</a:t>
             </a:r>
             <a:endParaRPr lang="zh-CN" altLang="en-US" sz="2000" dirty="0">
               <a:latin typeface="Consolas" panose="020B0609020204030204" pitchFamily="49" charset="0"/>
@@ -14813,21 +15631,21 @@
                 <a:gridCol w="3151561">
                   <a:extLst>
                     <a:ext uri="{9D8B030D-6E8A-4147-A177-3AD203B41FA5}">
-                      <a16:colId xmlns:a16="http://schemas.microsoft.com/office/drawing/2014/main" val="20000"/>
+                      <a16:colId xmlns="" xmlns:a16="http://schemas.microsoft.com/office/drawing/2014/main" val="20000"/>
                     </a:ext>
                   </a:extLst>
                 </a:gridCol>
                 <a:gridCol w="3716998">
                   <a:extLst>
                     <a:ext uri="{9D8B030D-6E8A-4147-A177-3AD203B41FA5}">
-                      <a16:colId xmlns:a16="http://schemas.microsoft.com/office/drawing/2014/main" val="1568519663"/>
+                      <a16:colId xmlns="" xmlns:a16="http://schemas.microsoft.com/office/drawing/2014/main" val="1568519663"/>
                     </a:ext>
                   </a:extLst>
                 </a:gridCol>
                 <a:gridCol w="4609077">
                   <a:extLst>
                     <a:ext uri="{9D8B030D-6E8A-4147-A177-3AD203B41FA5}">
-                      <a16:colId xmlns:a16="http://schemas.microsoft.com/office/drawing/2014/main" val="20001"/>
+                      <a16:colId xmlns="" xmlns:a16="http://schemas.microsoft.com/office/drawing/2014/main" val="20001"/>
                     </a:ext>
                   </a:extLst>
                 </a:gridCol>
@@ -15078,7 +15896,7 @@
                 </a:tc>
                 <a:extLst>
                   <a:ext uri="{0D108BD9-81ED-4DB2-BD59-A6C34878D82A}">
-                    <a16:rowId xmlns:a16="http://schemas.microsoft.com/office/drawing/2014/main" val="10000"/>
+                    <a16:rowId xmlns="" xmlns:a16="http://schemas.microsoft.com/office/drawing/2014/main" val="10000"/>
                   </a:ext>
                 </a:extLst>
               </a:tr>
@@ -15326,7 +16144,7 @@
                 </a:tc>
                 <a:extLst>
                   <a:ext uri="{0D108BD9-81ED-4DB2-BD59-A6C34878D82A}">
-                    <a16:rowId xmlns:a16="http://schemas.microsoft.com/office/drawing/2014/main" val="10001"/>
+                    <a16:rowId xmlns="" xmlns:a16="http://schemas.microsoft.com/office/drawing/2014/main" val="10001"/>
                   </a:ext>
                 </a:extLst>
               </a:tr>
@@ -15622,7 +16440,7 @@
                 </a:tc>
                 <a:extLst>
                   <a:ext uri="{0D108BD9-81ED-4DB2-BD59-A6C34878D82A}">
-                    <a16:rowId xmlns:a16="http://schemas.microsoft.com/office/drawing/2014/main" val="10002"/>
+                    <a16:rowId xmlns="" xmlns:a16="http://schemas.microsoft.com/office/drawing/2014/main" val="10002"/>
                   </a:ext>
                 </a:extLst>
               </a:tr>
@@ -15964,7 +16782,7 @@
                 </a:tc>
                 <a:extLst>
                   <a:ext uri="{0D108BD9-81ED-4DB2-BD59-A6C34878D82A}">
-                    <a16:rowId xmlns:a16="http://schemas.microsoft.com/office/drawing/2014/main" val="10003"/>
+                    <a16:rowId xmlns="" xmlns:a16="http://schemas.microsoft.com/office/drawing/2014/main" val="10003"/>
                   </a:ext>
                 </a:extLst>
               </a:tr>
@@ -16142,7 +16960,7 @@
                 </a:tc>
                 <a:extLst>
                   <a:ext uri="{0D108BD9-81ED-4DB2-BD59-A6C34878D82A}">
-                    <a16:rowId xmlns:a16="http://schemas.microsoft.com/office/drawing/2014/main" val="598840492"/>
+                    <a16:rowId xmlns="" xmlns:a16="http://schemas.microsoft.com/office/drawing/2014/main" val="598840492"/>
                   </a:ext>
                 </a:extLst>
               </a:tr>
@@ -16390,7 +17208,7 @@
                 </a:tc>
                 <a:extLst>
                   <a:ext uri="{0D108BD9-81ED-4DB2-BD59-A6C34878D82A}">
-                    <a16:rowId xmlns:a16="http://schemas.microsoft.com/office/drawing/2014/main" val="10005"/>
+                    <a16:rowId xmlns="" xmlns:a16="http://schemas.microsoft.com/office/drawing/2014/main" val="10005"/>
                   </a:ext>
                 </a:extLst>
               </a:tr>
@@ -16638,7 +17456,7 @@
                 </a:tc>
                 <a:extLst>
                   <a:ext uri="{0D108BD9-81ED-4DB2-BD59-A6C34878D82A}">
-                    <a16:rowId xmlns:a16="http://schemas.microsoft.com/office/drawing/2014/main" val="10006"/>
+                    <a16:rowId xmlns="" xmlns:a16="http://schemas.microsoft.com/office/drawing/2014/main" val="10006"/>
                   </a:ext>
                 </a:extLst>
               </a:tr>
@@ -16886,7 +17704,7 @@
                 </a:tc>
                 <a:extLst>
                   <a:ext uri="{0D108BD9-81ED-4DB2-BD59-A6C34878D82A}">
-                    <a16:rowId xmlns:a16="http://schemas.microsoft.com/office/drawing/2014/main" val="2574007439"/>
+                    <a16:rowId xmlns="" xmlns:a16="http://schemas.microsoft.com/office/drawing/2014/main" val="2574007439"/>
                   </a:ext>
                 </a:extLst>
               </a:tr>
@@ -17133,14 +17951,14 @@
                 <a:gridCol w="2005703">
                   <a:extLst>
                     <a:ext uri="{9D8B030D-6E8A-4147-A177-3AD203B41FA5}">
-                      <a16:colId xmlns:a16="http://schemas.microsoft.com/office/drawing/2014/main" val="20000"/>
+                      <a16:colId xmlns="" xmlns:a16="http://schemas.microsoft.com/office/drawing/2014/main" val="20000"/>
                     </a:ext>
                   </a:extLst>
                 </a:gridCol>
                 <a:gridCol w="8197219">
                   <a:extLst>
                     <a:ext uri="{9D8B030D-6E8A-4147-A177-3AD203B41FA5}">
-                      <a16:colId xmlns:a16="http://schemas.microsoft.com/office/drawing/2014/main" val="20001"/>
+                      <a16:colId xmlns="" xmlns:a16="http://schemas.microsoft.com/office/drawing/2014/main" val="20001"/>
                     </a:ext>
                   </a:extLst>
                 </a:gridCol>
@@ -17153,7 +17971,7 @@
                     <a:p>
                       <a:pPr algn="ctr"/>
                       <a:r>
-                        <a:rPr lang="zh-CN" altLang="en-US" sz="2400" b="1" smtClean="0">
+                        <a:rPr lang="zh-CN" altLang="en-US" sz="2400" b="1" dirty="0" smtClean="0">
                           <a:ln>
                             <a:noFill/>
                           </a:ln>
@@ -17169,7 +17987,7 @@
                         <a:t>属性</a:t>
                       </a:r>
                       <a:r>
-                        <a:rPr lang="zh-CN" altLang="en-US" sz="2400" b="1" smtClean="0">
+                        <a:rPr lang="zh-CN" altLang="en-US" sz="2400" b="1" dirty="0" smtClean="0">
                           <a:solidFill>
                             <a:schemeClr val="tx1">
                               <a:lumMod val="85000"/>
@@ -17310,7 +18128,7 @@
                 </a:tc>
                 <a:extLst>
                   <a:ext uri="{0D108BD9-81ED-4DB2-BD59-A6C34878D82A}">
-                    <a16:rowId xmlns:a16="http://schemas.microsoft.com/office/drawing/2014/main" val="10000"/>
+                    <a16:rowId xmlns="" xmlns:a16="http://schemas.microsoft.com/office/drawing/2014/main" val="10000"/>
                   </a:ext>
                 </a:extLst>
               </a:tr>
@@ -17481,7 +18299,7 @@
                 </a:tc>
                 <a:extLst>
                   <a:ext uri="{0D108BD9-81ED-4DB2-BD59-A6C34878D82A}">
-                    <a16:rowId xmlns:a16="http://schemas.microsoft.com/office/drawing/2014/main" val="10001"/>
+                    <a16:rowId xmlns="" xmlns:a16="http://schemas.microsoft.com/office/drawing/2014/main" val="10001"/>
                   </a:ext>
                 </a:extLst>
               </a:tr>
@@ -17652,7 +18470,7 @@
                 </a:tc>
                 <a:extLst>
                   <a:ext uri="{0D108BD9-81ED-4DB2-BD59-A6C34878D82A}">
-                    <a16:rowId xmlns:a16="http://schemas.microsoft.com/office/drawing/2014/main" val="10002"/>
+                    <a16:rowId xmlns="" xmlns:a16="http://schemas.microsoft.com/office/drawing/2014/main" val="10002"/>
                   </a:ext>
                 </a:extLst>
               </a:tr>
@@ -17823,7 +18641,7 @@
                 </a:tc>
                 <a:extLst>
                   <a:ext uri="{0D108BD9-81ED-4DB2-BD59-A6C34878D82A}">
-                    <a16:rowId xmlns:a16="http://schemas.microsoft.com/office/drawing/2014/main" val="10003"/>
+                    <a16:rowId xmlns="" xmlns:a16="http://schemas.microsoft.com/office/drawing/2014/main" val="10003"/>
                   </a:ext>
                 </a:extLst>
               </a:tr>
@@ -17994,7 +18812,7 @@
                 </a:tc>
                 <a:extLst>
                   <a:ext uri="{0D108BD9-81ED-4DB2-BD59-A6C34878D82A}">
-                    <a16:rowId xmlns:a16="http://schemas.microsoft.com/office/drawing/2014/main" val="10004"/>
+                    <a16:rowId xmlns="" xmlns:a16="http://schemas.microsoft.com/office/drawing/2014/main" val="10004"/>
                   </a:ext>
                 </a:extLst>
               </a:tr>
@@ -18210,7 +19028,7 @@
                 </a:tc>
                 <a:extLst>
                   <a:ext uri="{0D108BD9-81ED-4DB2-BD59-A6C34878D82A}">
-                    <a16:rowId xmlns:a16="http://schemas.microsoft.com/office/drawing/2014/main" val="10005"/>
+                    <a16:rowId xmlns="" xmlns:a16="http://schemas.microsoft.com/office/drawing/2014/main" val="10005"/>
                   </a:ext>
                 </a:extLst>
               </a:tr>
@@ -18461,7 +19279,7 @@
                 </a:tc>
                 <a:extLst>
                   <a:ext uri="{0D108BD9-81ED-4DB2-BD59-A6C34878D82A}">
-                    <a16:rowId xmlns:a16="http://schemas.microsoft.com/office/drawing/2014/main" val="10006"/>
+                    <a16:rowId xmlns="" xmlns:a16="http://schemas.microsoft.com/office/drawing/2014/main" val="10006"/>
                   </a:ext>
                 </a:extLst>
               </a:tr>
@@ -18646,21 +19464,10 @@
                   </a:schemeClr>
                 </a:solidFill>
               </a:rPr>
-              <a:t>：多选</a:t>
-            </a:r>
-            <a:r>
-              <a:rPr lang="zh-CN" altLang="en-US" sz="3200">
-                <a:solidFill>
-                  <a:schemeClr val="tx1">
-                    <a:lumMod val="75000"/>
-                    <a:lumOff val="25000"/>
-                  </a:schemeClr>
-                </a:solidFill>
-              </a:rPr>
-              <a:t>框</a:t>
-            </a:r>
-            <a:r>
-              <a:rPr lang="zh-CN" altLang="en-US" sz="3200" smtClean="0">
+              <a:t>：多选框</a:t>
+            </a:r>
+            <a:r>
+              <a:rPr lang="zh-CN" altLang="en-US" sz="3200" dirty="0" smtClean="0">
                 <a:solidFill>
                   <a:schemeClr val="tx1">
                     <a:lumMod val="75000"/>
@@ -18709,14 +19516,14 @@
                 <a:gridCol w="1985997">
                   <a:extLst>
                     <a:ext uri="{9D8B030D-6E8A-4147-A177-3AD203B41FA5}">
-                      <a16:colId xmlns:a16="http://schemas.microsoft.com/office/drawing/2014/main" val="20000"/>
+                      <a16:colId xmlns="" xmlns:a16="http://schemas.microsoft.com/office/drawing/2014/main" val="20000"/>
                     </a:ext>
                   </a:extLst>
                 </a:gridCol>
                 <a:gridCol w="6870987">
                   <a:extLst>
                     <a:ext uri="{9D8B030D-6E8A-4147-A177-3AD203B41FA5}">
-                      <a16:colId xmlns:a16="http://schemas.microsoft.com/office/drawing/2014/main" val="20001"/>
+                      <a16:colId xmlns="" xmlns:a16="http://schemas.microsoft.com/office/drawing/2014/main" val="20001"/>
                     </a:ext>
                   </a:extLst>
                 </a:gridCol>
@@ -18854,7 +19661,7 @@
                 </a:tc>
                 <a:extLst>
                   <a:ext uri="{0D108BD9-81ED-4DB2-BD59-A6C34878D82A}">
-                    <a16:rowId xmlns:a16="http://schemas.microsoft.com/office/drawing/2014/main" val="10000"/>
+                    <a16:rowId xmlns="" xmlns:a16="http://schemas.microsoft.com/office/drawing/2014/main" val="10000"/>
                   </a:ext>
                 </a:extLst>
               </a:tr>
@@ -19038,7 +19845,7 @@
                 </a:tc>
                 <a:extLst>
                   <a:ext uri="{0D108BD9-81ED-4DB2-BD59-A6C34878D82A}">
-                    <a16:rowId xmlns:a16="http://schemas.microsoft.com/office/drawing/2014/main" val="10001"/>
+                    <a16:rowId xmlns="" xmlns:a16="http://schemas.microsoft.com/office/drawing/2014/main" val="10001"/>
                   </a:ext>
                 </a:extLst>
               </a:tr>
@@ -19222,7 +20029,7 @@
                 </a:tc>
                 <a:extLst>
                   <a:ext uri="{0D108BD9-81ED-4DB2-BD59-A6C34878D82A}">
-                    <a16:rowId xmlns:a16="http://schemas.microsoft.com/office/drawing/2014/main" val="10002"/>
+                    <a16:rowId xmlns="" xmlns:a16="http://schemas.microsoft.com/office/drawing/2014/main" val="10002"/>
                   </a:ext>
                 </a:extLst>
               </a:tr>
@@ -21037,14 +21844,14 @@
                 <a:gridCol w="1488630">
                   <a:extLst>
                     <a:ext uri="{9D8B030D-6E8A-4147-A177-3AD203B41FA5}">
-                      <a16:colId xmlns:a16="http://schemas.microsoft.com/office/drawing/2014/main" val="20000"/>
+                      <a16:colId xmlns="" xmlns:a16="http://schemas.microsoft.com/office/drawing/2014/main" val="20000"/>
                     </a:ext>
                   </a:extLst>
                 </a:gridCol>
                 <a:gridCol w="8030217">
                   <a:extLst>
                     <a:ext uri="{9D8B030D-6E8A-4147-A177-3AD203B41FA5}">
-                      <a16:colId xmlns:a16="http://schemas.microsoft.com/office/drawing/2014/main" val="20001"/>
+                      <a16:colId xmlns="" xmlns:a16="http://schemas.microsoft.com/office/drawing/2014/main" val="20001"/>
                     </a:ext>
                   </a:extLst>
                 </a:gridCol>
@@ -21182,7 +21989,7 @@
                 </a:tc>
                 <a:extLst>
                   <a:ext uri="{0D108BD9-81ED-4DB2-BD59-A6C34878D82A}">
-                    <a16:rowId xmlns:a16="http://schemas.microsoft.com/office/drawing/2014/main" val="10000"/>
+                    <a16:rowId xmlns="" xmlns:a16="http://schemas.microsoft.com/office/drawing/2014/main" val="10000"/>
                   </a:ext>
                 </a:extLst>
               </a:tr>
@@ -21341,7 +22148,7 @@
                 </a:tc>
                 <a:extLst>
                   <a:ext uri="{0D108BD9-81ED-4DB2-BD59-A6C34878D82A}">
-                    <a16:rowId xmlns:a16="http://schemas.microsoft.com/office/drawing/2014/main" val="10001"/>
+                    <a16:rowId xmlns="" xmlns:a16="http://schemas.microsoft.com/office/drawing/2014/main" val="10001"/>
                   </a:ext>
                 </a:extLst>
               </a:tr>
@@ -21500,7 +22307,7 @@
                 </a:tc>
                 <a:extLst>
                   <a:ext uri="{0D108BD9-81ED-4DB2-BD59-A6C34878D82A}">
-                    <a16:rowId xmlns:a16="http://schemas.microsoft.com/office/drawing/2014/main" val="10002"/>
+                    <a16:rowId xmlns="" xmlns:a16="http://schemas.microsoft.com/office/drawing/2014/main" val="10002"/>
                   </a:ext>
                 </a:extLst>
               </a:tr>
@@ -21659,7 +22466,7 @@
                 </a:tc>
                 <a:extLst>
                   <a:ext uri="{0D108BD9-81ED-4DB2-BD59-A6C34878D82A}">
-                    <a16:rowId xmlns:a16="http://schemas.microsoft.com/office/drawing/2014/main" val="10003"/>
+                    <a16:rowId xmlns="" xmlns:a16="http://schemas.microsoft.com/office/drawing/2014/main" val="10003"/>
                   </a:ext>
                 </a:extLst>
               </a:tr>
@@ -21835,7 +22642,7 @@
                 </a:tc>
                 <a:extLst>
                   <a:ext uri="{0D108BD9-81ED-4DB2-BD59-A6C34878D82A}">
-                    <a16:rowId xmlns:a16="http://schemas.microsoft.com/office/drawing/2014/main" val="10004"/>
+                    <a16:rowId xmlns="" xmlns:a16="http://schemas.microsoft.com/office/drawing/2014/main" val="10004"/>
                   </a:ext>
                 </a:extLst>
               </a:tr>
@@ -22071,14 +22878,14 @@
                 <a:gridCol w="3203114">
                   <a:extLst>
                     <a:ext uri="{9D8B030D-6E8A-4147-A177-3AD203B41FA5}">
-                      <a16:colId xmlns:a16="http://schemas.microsoft.com/office/drawing/2014/main" val="20000"/>
+                      <a16:colId xmlns="" xmlns:a16="http://schemas.microsoft.com/office/drawing/2014/main" val="20000"/>
                     </a:ext>
                   </a:extLst>
                 </a:gridCol>
                 <a:gridCol w="6085918">
                   <a:extLst>
                     <a:ext uri="{9D8B030D-6E8A-4147-A177-3AD203B41FA5}">
-                      <a16:colId xmlns:a16="http://schemas.microsoft.com/office/drawing/2014/main" val="20001"/>
+                      <a16:colId xmlns="" xmlns:a16="http://schemas.microsoft.com/office/drawing/2014/main" val="20001"/>
                     </a:ext>
                   </a:extLst>
                 </a:gridCol>
@@ -22216,7 +23023,7 @@
                 </a:tc>
                 <a:extLst>
                   <a:ext uri="{0D108BD9-81ED-4DB2-BD59-A6C34878D82A}">
-                    <a16:rowId xmlns:a16="http://schemas.microsoft.com/office/drawing/2014/main" val="10000"/>
+                    <a16:rowId xmlns="" xmlns:a16="http://schemas.microsoft.com/office/drawing/2014/main" val="10000"/>
                   </a:ext>
                 </a:extLst>
               </a:tr>
@@ -22364,7 +23171,7 @@
                 </a:tc>
                 <a:extLst>
                   <a:ext uri="{0D108BD9-81ED-4DB2-BD59-A6C34878D82A}">
-                    <a16:rowId xmlns:a16="http://schemas.microsoft.com/office/drawing/2014/main" val="10001"/>
+                    <a16:rowId xmlns="" xmlns:a16="http://schemas.microsoft.com/office/drawing/2014/main" val="10001"/>
                   </a:ext>
                 </a:extLst>
               </a:tr>
@@ -22535,7 +23342,7 @@
                 </a:tc>
                 <a:extLst>
                   <a:ext uri="{0D108BD9-81ED-4DB2-BD59-A6C34878D82A}">
-                    <a16:rowId xmlns:a16="http://schemas.microsoft.com/office/drawing/2014/main" val="10002"/>
+                    <a16:rowId xmlns="" xmlns:a16="http://schemas.microsoft.com/office/drawing/2014/main" val="10002"/>
                   </a:ext>
                 </a:extLst>
               </a:tr>
@@ -22745,7 +23552,7 @@
                 </a:tc>
                 <a:extLst>
                   <a:ext uri="{0D108BD9-81ED-4DB2-BD59-A6C34878D82A}">
-                    <a16:rowId xmlns:a16="http://schemas.microsoft.com/office/drawing/2014/main" val="10003"/>
+                    <a16:rowId xmlns="" xmlns:a16="http://schemas.microsoft.com/office/drawing/2014/main" val="10003"/>
                   </a:ext>
                 </a:extLst>
               </a:tr>
@@ -22953,7 +23760,7 @@
                 </a:tc>
                 <a:extLst>
                   <a:ext uri="{0D108BD9-81ED-4DB2-BD59-A6C34878D82A}">
-                    <a16:rowId xmlns:a16="http://schemas.microsoft.com/office/drawing/2014/main" val="10004"/>
+                    <a16:rowId xmlns="" xmlns:a16="http://schemas.microsoft.com/office/drawing/2014/main" val="10004"/>
                   </a:ext>
                 </a:extLst>
               </a:tr>
@@ -25799,10 +26606,10 @@
                   </a:schemeClr>
                 </a:solidFill>
               </a:rPr>
-              <a:t>事件源上触发一</a:t>
-            </a:r>
-            <a:r>
-              <a:rPr lang="zh-CN" altLang="en-US" sz="3200">
+              <a:t>事件源上触发一个</a:t>
+            </a:r>
+            <a:r>
+              <a:rPr lang="zh-CN" altLang="en-US" sz="3200" dirty="0" smtClean="0">
                 <a:solidFill>
                   <a:schemeClr val="tx1">
                     <a:lumMod val="85000"/>
@@ -25810,10 +26617,10 @@
                   </a:schemeClr>
                 </a:solidFill>
               </a:rPr>
-              <a:t>个</a:t>
-            </a:r>
-            <a:r>
-              <a:rPr lang="zh-CN" altLang="en-US" sz="3200" smtClean="0">
+              <a:t>事件</a:t>
+            </a:r>
+            <a:r>
+              <a:rPr lang="zh-CN" altLang="en-US" sz="3200" dirty="0">
                 <a:solidFill>
                   <a:schemeClr val="tx1">
                     <a:lumMod val="85000"/>
@@ -25821,10 +26628,10 @@
                   </a:schemeClr>
                 </a:solidFill>
               </a:rPr>
-              <a:t>事件</a:t>
-            </a:r>
-            <a:r>
-              <a:rPr lang="zh-CN" altLang="en-US" sz="3200">
+              <a:t>。</a:t>
+            </a:r>
+            <a:r>
+              <a:rPr lang="zh-CN" altLang="en-US" sz="3200" dirty="0" smtClean="0">
                 <a:solidFill>
                   <a:schemeClr val="tx1">
                     <a:lumMod val="85000"/>
@@ -25832,10 +26639,10 @@
                   </a:schemeClr>
                 </a:solidFill>
               </a:rPr>
-              <a:t>。</a:t>
-            </a:r>
-            <a:r>
-              <a:rPr lang="zh-CN" altLang="en-US" sz="3200" smtClean="0">
+              <a:t>比如用户</a:t>
+            </a:r>
+            <a:r>
+              <a:rPr lang="zh-CN" altLang="en-US" sz="3200" dirty="0">
                 <a:solidFill>
                   <a:schemeClr val="tx1">
                     <a:lumMod val="85000"/>
@@ -25843,32 +26650,10 @@
                   </a:schemeClr>
                 </a:solidFill>
               </a:rPr>
-              <a:t>比如用户</a:t>
-            </a:r>
-            <a:r>
-              <a:rPr lang="zh-CN" altLang="en-US" sz="3200" dirty="0">
-                <a:solidFill>
-                  <a:schemeClr val="tx1">
-                    <a:lumMod val="85000"/>
-                    <a:lumOff val="15000"/>
-                  </a:schemeClr>
-                </a:solidFill>
-              </a:rPr>
-              <a:t>按下鼠标、按下</a:t>
-            </a:r>
-            <a:r>
-              <a:rPr lang="zh-CN" altLang="en-US" sz="3200">
-                <a:solidFill>
-                  <a:schemeClr val="tx1">
-                    <a:lumMod val="85000"/>
-                    <a:lumOff val="15000"/>
-                  </a:schemeClr>
-                </a:solidFill>
-              </a:rPr>
-              <a:t>按钮</a:t>
-            </a:r>
-            <a:r>
-              <a:rPr lang="zh-CN" altLang="en-US" sz="3200" smtClean="0">
+              <a:t>按下鼠标、按下按钮</a:t>
+            </a:r>
+            <a:r>
+              <a:rPr lang="zh-CN" altLang="en-US" sz="3200" dirty="0" smtClean="0">
                 <a:solidFill>
                   <a:schemeClr val="tx1">
                     <a:lumMod val="85000"/>
@@ -25898,10 +26683,10 @@
                   </a:schemeClr>
                 </a:solidFill>
               </a:rPr>
-              <a:t>系统会自动产生对应的事件</a:t>
-            </a:r>
-            <a:r>
-              <a:rPr lang="zh-CN" altLang="en-US" sz="3200">
+              <a:t>系统会自动产生对应的事件对象</a:t>
+            </a:r>
+            <a:r>
+              <a:rPr lang="en-US" altLang="zh-CN" sz="3200" dirty="0" err="1" smtClean="0">
                 <a:solidFill>
                   <a:schemeClr val="tx1">
                     <a:lumMod val="85000"/>
@@ -25909,21 +26694,10 @@
                   </a:schemeClr>
                 </a:solidFill>
               </a:rPr>
-              <a:t>对象</a:t>
-            </a:r>
-            <a:r>
-              <a:rPr lang="en-US" altLang="zh-CN" sz="3200" smtClean="0">
-                <a:solidFill>
-                  <a:schemeClr val="tx1">
-                    <a:lumMod val="85000"/>
-                    <a:lumOff val="15000"/>
-                  </a:schemeClr>
-                </a:solidFill>
-              </a:rPr>
               <a:t>EventObject</a:t>
             </a:r>
             <a:r>
-              <a:rPr lang="zh-CN" altLang="en-US" sz="3200" smtClean="0">
+              <a:rPr lang="zh-CN" altLang="en-US" sz="3200" dirty="0" smtClean="0">
                 <a:solidFill>
                   <a:schemeClr val="tx1">
                     <a:lumMod val="85000"/>
@@ -26713,7 +27487,7 @@
                 <a:gridCol w="10441160">
                   <a:extLst>
                     <a:ext uri="{9D8B030D-6E8A-4147-A177-3AD203B41FA5}">
-                      <a16:colId xmlns:a16="http://schemas.microsoft.com/office/drawing/2014/main" val="20000"/>
+                      <a16:colId xmlns="" xmlns:a16="http://schemas.microsoft.com/office/drawing/2014/main" val="20000"/>
                     </a:ext>
                   </a:extLst>
                 </a:gridCol>
@@ -26742,7 +27516,7 @@
                         </a:tabLst>
                       </a:pPr>
                       <a:r>
-                        <a:rPr lang="zh-CN" altLang="en-US" sz="2800" b="1" kern="0" smtClean="0">
+                        <a:rPr lang="zh-CN" altLang="en-US" sz="2800" b="1" kern="0" dirty="0" smtClean="0">
                           <a:solidFill>
                             <a:schemeClr val="tx1">
                               <a:lumMod val="85000"/>
@@ -26756,7 +27530,7 @@
                         <a:t>控件对象</a:t>
                       </a:r>
                       <a:r>
-                        <a:rPr lang="en-US" altLang="zh-CN" sz="2800" b="1" kern="0" smtClean="0">
+                        <a:rPr lang="en-US" altLang="zh-CN" sz="2800" b="1" kern="0" dirty="0" smtClean="0">
                           <a:solidFill>
                             <a:schemeClr val="tx1">
                               <a:lumMod val="85000"/>
@@ -26770,7 +27544,7 @@
                         <a:t>.</a:t>
                       </a:r>
                       <a:r>
-                        <a:rPr lang="en-US" sz="2800" b="1" kern="0" smtClean="0">
+                        <a:rPr lang="en-US" sz="2800" b="1" kern="0" dirty="0" err="1" smtClean="0">
                           <a:solidFill>
                             <a:srgbClr val="C00000"/>
                           </a:solidFill>
@@ -26781,7 +27555,7 @@
                         <a:t>setOn</a:t>
                       </a:r>
                       <a:r>
-                        <a:rPr lang="zh-CN" altLang="en-US" sz="2800" b="1" kern="0" smtClean="0">
+                        <a:rPr lang="zh-CN" altLang="en-US" sz="2800" b="1" kern="0" dirty="0" smtClean="0">
                           <a:solidFill>
                             <a:srgbClr val="C00000"/>
                           </a:solidFill>
@@ -26792,7 +27566,7 @@
                         <a:t>事件类型</a:t>
                       </a:r>
                       <a:r>
-                        <a:rPr lang="en-US" sz="2800" b="1" kern="0" smtClean="0">
+                        <a:rPr lang="en-US" sz="2800" b="1" kern="0" dirty="0" smtClean="0">
                           <a:solidFill>
                             <a:srgbClr val="C00000"/>
                           </a:solidFill>
@@ -26803,7 +27577,7 @@
                         <a:t>Listener</a:t>
                       </a:r>
                       <a:r>
-                        <a:rPr lang="en-US" sz="2800" b="1" kern="0" smtClean="0">
+                        <a:rPr lang="en-US" sz="2800" b="1" kern="0" dirty="0" smtClean="0">
                           <a:solidFill>
                             <a:schemeClr val="tx1">
                               <a:lumMod val="85000"/>
@@ -26817,7 +27591,7 @@
                         <a:t>(new On</a:t>
                       </a:r>
                       <a:r>
-                        <a:rPr lang="zh-CN" altLang="en-US" sz="2800" b="1" kern="0" smtClean="0">
+                        <a:rPr lang="zh-CN" altLang="en-US" sz="2800" b="1" kern="0" dirty="0" smtClean="0">
                           <a:solidFill>
                             <a:schemeClr val="tx1">
                               <a:lumMod val="85000"/>
@@ -26831,7 +27605,7 @@
                         <a:t>事件类型</a:t>
                       </a:r>
                       <a:r>
-                        <a:rPr lang="en-US" sz="2800" b="1" kern="0" smtClean="0">
+                        <a:rPr lang="en-US" sz="2800" b="1" kern="0" dirty="0" smtClean="0">
                           <a:solidFill>
                             <a:schemeClr val="tx1">
                               <a:lumMod val="85000"/>
@@ -26864,7 +27638,7 @@
                         </a:tabLst>
                       </a:pPr>
                       <a:r>
-                        <a:rPr lang="en-US" sz="2800" b="1" kern="0" smtClean="0">
+                        <a:rPr lang="en-US" sz="2800" b="1" kern="0" dirty="0" smtClean="0">
                           <a:solidFill>
                             <a:schemeClr val="tx1">
                               <a:lumMod val="85000"/>
@@ -26878,7 +27652,7 @@
                         <a:t>	    public </a:t>
                       </a:r>
                       <a:r>
-                        <a:rPr lang="zh-CN" altLang="en-US" sz="2800" b="1" kern="0" smtClean="0">
+                        <a:rPr lang="zh-CN" altLang="en-US" sz="2800" b="1" kern="0" dirty="0" smtClean="0">
                           <a:solidFill>
                             <a:schemeClr val="tx1">
                               <a:lumMod val="85000"/>
@@ -26892,7 +27666,7 @@
                         <a:t>返回类型 </a:t>
                       </a:r>
                       <a:r>
-                        <a:rPr lang="en-US" sz="2800" b="1" kern="0" smtClean="0">
+                        <a:rPr lang="en-US" sz="2800" b="1" kern="0" dirty="0" smtClean="0">
                           <a:solidFill>
                             <a:srgbClr val="C00000"/>
                           </a:solidFill>
@@ -26903,7 +27677,7 @@
                         <a:t>on</a:t>
                       </a:r>
                       <a:r>
-                        <a:rPr lang="zh-CN" altLang="en-US" sz="2800" b="1" kern="0" smtClean="0">
+                        <a:rPr lang="zh-CN" altLang="en-US" sz="2800" b="1" kern="0" dirty="0" smtClean="0">
                           <a:solidFill>
                             <a:srgbClr val="C00000"/>
                           </a:solidFill>
@@ -26914,7 +27688,7 @@
                         <a:t>事件类型</a:t>
                       </a:r>
                       <a:r>
-                        <a:rPr lang="en-US" altLang="zh-CN" sz="2800" b="1" kern="0" smtClean="0">
+                        <a:rPr lang="en-US" altLang="zh-CN" sz="2800" b="1" kern="0" dirty="0" smtClean="0">
                           <a:solidFill>
                             <a:schemeClr val="tx1">
                               <a:lumMod val="85000"/>
@@ -26928,7 +27702,7 @@
                         <a:t>(</a:t>
                       </a:r>
                       <a:r>
-                        <a:rPr lang="en-US" sz="2800" b="1" kern="0" smtClean="0">
+                        <a:rPr lang="en-US" sz="2800" b="1" kern="0" dirty="0" smtClean="0">
                           <a:solidFill>
                             <a:schemeClr val="tx1">
                               <a:lumMod val="85000"/>
@@ -26961,7 +27735,7 @@
                         </a:tabLst>
                       </a:pPr>
                       <a:r>
-                        <a:rPr lang="en-US" sz="2800" b="1" kern="0" smtClean="0">
+                        <a:rPr lang="en-US" sz="2800" b="1" kern="0" dirty="0" smtClean="0">
                           <a:solidFill>
                             <a:schemeClr val="tx1">
                               <a:lumMod val="85000"/>
@@ -26975,7 +27749,7 @@
                         <a:t>        </a:t>
                       </a:r>
                       <a:r>
-                        <a:rPr lang="en-US" sz="2800" b="1" kern="0" smtClean="0">
+                        <a:rPr lang="en-US" sz="2800" b="1" kern="0" dirty="0" smtClean="0">
                           <a:solidFill>
                             <a:schemeClr val="accent3">
                               <a:lumMod val="75000"/>
@@ -27007,7 +27781,7 @@
                         </a:tabLst>
                       </a:pPr>
                       <a:r>
-                        <a:rPr lang="en-US" sz="2800" b="1" kern="0" smtClean="0">
+                        <a:rPr lang="en-US" sz="2800" b="1" kern="0" dirty="0" smtClean="0">
                           <a:solidFill>
                             <a:schemeClr val="tx1">
                               <a:lumMod val="85000"/>
@@ -27040,7 +27814,7 @@
                         </a:tabLst>
                       </a:pPr>
                       <a:r>
-                        <a:rPr lang="en-US" sz="2800" b="1" kern="0" smtClean="0">
+                        <a:rPr lang="en-US" sz="2800" b="1" kern="0" dirty="0" smtClean="0">
                           <a:solidFill>
                             <a:schemeClr val="tx1">
                               <a:lumMod val="85000"/>
@@ -27102,7 +27876,7 @@
                 </a:tc>
                 <a:extLst>
                   <a:ext uri="{0D108BD9-81ED-4DB2-BD59-A6C34878D82A}">
-                    <a16:rowId xmlns:a16="http://schemas.microsoft.com/office/drawing/2014/main" val="10000"/>
+                    <a16:rowId xmlns="" xmlns:a16="http://schemas.microsoft.com/office/drawing/2014/main" val="10000"/>
                   </a:ext>
                 </a:extLst>
               </a:tr>
@@ -27257,7 +28031,7 @@
                 <a:gridCol w="9120119">
                   <a:extLst>
                     <a:ext uri="{9D8B030D-6E8A-4147-A177-3AD203B41FA5}">
-                      <a16:colId xmlns:a16="http://schemas.microsoft.com/office/drawing/2014/main" val="20000"/>
+                      <a16:colId xmlns="" xmlns:a16="http://schemas.microsoft.com/office/drawing/2014/main" val="20000"/>
                     </a:ext>
                   </a:extLst>
                 </a:gridCol>
@@ -27280,7 +28054,7 @@
                         </a:tabLst>
                       </a:pPr>
                       <a:r>
-                        <a:rPr lang="en-US" sz="2800" b="1" kern="0" smtClean="0">
+                        <a:rPr lang="en-US" sz="2800" b="1" kern="0" dirty="0" err="1" smtClean="0">
                           <a:solidFill>
                             <a:schemeClr val="tx1">
                               <a:lumMod val="85000"/>
@@ -27294,7 +28068,7 @@
                         <a:t>btn.</a:t>
                       </a:r>
                       <a:r>
-                        <a:rPr lang="en-US" sz="2800" b="1" kern="0" smtClean="0">
+                        <a:rPr lang="en-US" sz="2800" b="1" kern="0" dirty="0" err="1" smtClean="0">
                           <a:solidFill>
                             <a:srgbClr val="C00000"/>
                           </a:solidFill>
@@ -27305,7 +28079,7 @@
                         <a:t>setOnClickListener</a:t>
                       </a:r>
                       <a:r>
-                        <a:rPr lang="en-US" sz="2800" b="1" kern="0" smtClean="0">
+                        <a:rPr lang="en-US" sz="2800" b="1" kern="0" dirty="0" smtClean="0">
                           <a:solidFill>
                             <a:schemeClr val="tx1">
                               <a:lumMod val="85000"/>
@@ -27316,7 +28090,35 @@
                           <a:ea typeface="宋体"/>
                           <a:cs typeface="Times New Roman" pitchFamily="18" charset="0"/>
                         </a:rPr>
-                        <a:t>(new OnClickListener() {</a:t>
+                        <a:t>(new </a:t>
+                      </a:r>
+                      <a:r>
+                        <a:rPr lang="en-US" sz="2800" b="1" kern="0" dirty="0" err="1" smtClean="0">
+                          <a:solidFill>
+                            <a:schemeClr val="tx1">
+                              <a:lumMod val="85000"/>
+                              <a:lumOff val="15000"/>
+                            </a:schemeClr>
+                          </a:solidFill>
+                          <a:latin typeface="Consolas" panose="020B0609020204030204" pitchFamily="49" charset="0"/>
+                          <a:ea typeface="宋体"/>
+                          <a:cs typeface="Times New Roman" pitchFamily="18" charset="0"/>
+                        </a:rPr>
+                        <a:t>OnClickListener</a:t>
+                      </a:r>
+                      <a:r>
+                        <a:rPr lang="en-US" sz="2800" b="1" kern="0" dirty="0" smtClean="0">
+                          <a:solidFill>
+                            <a:schemeClr val="tx1">
+                              <a:lumMod val="85000"/>
+                              <a:lumOff val="15000"/>
+                            </a:schemeClr>
+                          </a:solidFill>
+                          <a:latin typeface="Consolas" panose="020B0609020204030204" pitchFamily="49" charset="0"/>
+                          <a:ea typeface="宋体"/>
+                          <a:cs typeface="Times New Roman" pitchFamily="18" charset="0"/>
+                        </a:rPr>
+                        <a:t>() {</a:t>
                       </a:r>
                     </a:p>
                     <a:p>
@@ -27331,7 +28133,7 @@
                           <a:tab pos="5274310" algn="r"/>
                         </a:tabLst>
                       </a:pPr>
-                      <a:endParaRPr lang="en-US" sz="2800" b="1" kern="0" smtClean="0">
+                      <a:endParaRPr lang="en-US" sz="2800" b="1" kern="0" dirty="0" smtClean="0">
                         <a:solidFill>
                           <a:schemeClr val="tx1">
                             <a:lumMod val="85000"/>
@@ -27356,7 +28158,7 @@
                         </a:tabLst>
                       </a:pPr>
                       <a:r>
-                        <a:rPr lang="en-US" sz="2800" b="1" kern="0" smtClean="0">
+                        <a:rPr lang="en-US" sz="2800" b="1" kern="0" dirty="0" smtClean="0">
                           <a:solidFill>
                             <a:schemeClr val="tx1">
                               <a:lumMod val="85000"/>
@@ -27383,7 +28185,7 @@
                         </a:tabLst>
                       </a:pPr>
                       <a:r>
-                        <a:rPr lang="en-US" sz="2800" b="1" kern="0" smtClean="0">
+                        <a:rPr lang="en-US" sz="2800" b="1" kern="0" dirty="0" smtClean="0">
                           <a:solidFill>
                             <a:schemeClr val="tx1">
                               <a:lumMod val="85000"/>
@@ -27397,7 +28199,7 @@
                         <a:t>    public void </a:t>
                       </a:r>
                       <a:r>
-                        <a:rPr lang="en-US" sz="2800" b="1" kern="0" smtClean="0">
+                        <a:rPr lang="en-US" sz="2800" b="1" kern="0" dirty="0" err="1" smtClean="0">
                           <a:solidFill>
                             <a:srgbClr val="C00000"/>
                           </a:solidFill>
@@ -27408,7 +28210,7 @@
                         <a:t>onClick</a:t>
                       </a:r>
                       <a:r>
-                        <a:rPr lang="en-US" sz="2800" b="1" kern="0" smtClean="0">
+                        <a:rPr lang="en-US" sz="2800" b="1" kern="0" dirty="0" smtClean="0">
                           <a:solidFill>
                             <a:schemeClr val="tx1">
                               <a:lumMod val="85000"/>
@@ -27435,7 +28237,7 @@
                         </a:tabLst>
                       </a:pPr>
                       <a:r>
-                        <a:rPr lang="en-US" sz="2800" b="1" kern="0" smtClean="0">
+                        <a:rPr lang="en-US" sz="2800" b="1" kern="0" dirty="0" smtClean="0">
                           <a:solidFill>
                             <a:schemeClr val="tx1">
                               <a:lumMod val="85000"/>
@@ -27449,7 +28251,7 @@
                         <a:t>        </a:t>
                       </a:r>
                       <a:r>
-                        <a:rPr lang="en-US" sz="2800" b="1" kern="0" smtClean="0">
+                        <a:rPr lang="en-US" sz="2800" b="1" kern="0" dirty="0" smtClean="0">
                           <a:solidFill>
                             <a:schemeClr val="accent3">
                               <a:lumMod val="75000"/>
@@ -27475,7 +28277,7 @@
                         </a:tabLst>
                       </a:pPr>
                       <a:r>
-                        <a:rPr lang="en-US" sz="2800" b="1" kern="0" smtClean="0">
+                        <a:rPr lang="en-US" sz="2800" b="1" kern="0" dirty="0" smtClean="0">
                           <a:solidFill>
                             <a:schemeClr val="tx1">
                               <a:lumMod val="85000"/>
@@ -27502,7 +28304,7 @@
                         </a:tabLst>
                       </a:pPr>
                       <a:r>
-                        <a:rPr lang="en-US" sz="2800" b="1" kern="0" smtClean="0">
+                        <a:rPr lang="en-US" sz="2800" b="1" kern="0" dirty="0" smtClean="0">
                           <a:solidFill>
                             <a:schemeClr val="tx1">
                               <a:lumMod val="85000"/>
@@ -27564,7 +28366,7 @@
                 </a:tc>
                 <a:extLst>
                   <a:ext uri="{0D108BD9-81ED-4DB2-BD59-A6C34878D82A}">
-                    <a16:rowId xmlns:a16="http://schemas.microsoft.com/office/drawing/2014/main" val="10000"/>
+                    <a16:rowId xmlns="" xmlns:a16="http://schemas.microsoft.com/office/drawing/2014/main" val="10000"/>
                   </a:ext>
                 </a:extLst>
               </a:tr>
@@ -28075,43 +28877,6 @@
           </a:p>
         </p:txBody>
       </p:sp>
-      <p:sp>
-        <p:nvSpPr>
-          <p:cNvPr id="7" name="TextBox 6"/>
-          <p:cNvSpPr txBox="1"/>
-          <p:nvPr/>
-        </p:nvSpPr>
-        <p:spPr>
-          <a:xfrm>
-            <a:off x="988663" y="6165304"/>
-            <a:ext cx="10598967" cy="400110"/>
-          </a:xfrm>
-          <a:prstGeom prst="rect">
-            <a:avLst/>
-          </a:prstGeom>
-          <a:noFill/>
-        </p:spPr>
-        <p:txBody>
-          <a:bodyPr wrap="square" rtlCol="0">
-            <a:spAutoFit/>
-          </a:bodyPr>
-          <a:lstStyle/>
-          <a:p>
-            <a:r>
-              <a:rPr lang="en-US" altLang="zh-CN" sz="2000" dirty="0">
-                <a:latin typeface="Consolas" panose="020B0609020204030204" pitchFamily="49" charset="0"/>
-                <a:cs typeface="Arial" panose="020B0604020202020204" pitchFamily="34" charset="0"/>
-                <a:hlinkClick r:id="rId3"/>
-              </a:rPr>
-              <a:t>http://developer.android.com/guide/topics/ui/ui-events.html#EventListeners</a:t>
-            </a:r>
-            <a:endParaRPr lang="zh-CN" altLang="en-US" sz="2000" dirty="0">
-              <a:latin typeface="Consolas" panose="020B0609020204030204" pitchFamily="49" charset="0"/>
-              <a:cs typeface="Arial" panose="020B0604020202020204" pitchFamily="34" charset="0"/>
-            </a:endParaRPr>
-          </a:p>
-        </p:txBody>
-      </p:sp>
     </p:spTree>
     <p:extLst>
       <p:ext uri="{BB962C8B-B14F-4D97-AF65-F5344CB8AC3E}">
@@ -28236,7 +29001,7 @@
               <a:t>Android</a:t>
             </a:r>
             <a:r>
-              <a:rPr lang="zh-CN" altLang="en-US" sz="3200" dirty="0">
+              <a:rPr lang="zh-CN" altLang="en-US" sz="3200">
                 <a:solidFill>
                   <a:schemeClr val="tx1">
                     <a:lumMod val="75000"/>
@@ -28244,7 +29009,29 @@
                   </a:schemeClr>
                 </a:solidFill>
               </a:rPr>
-              <a:t>应用都是有以下四大组件组成</a:t>
+              <a:t>应用</a:t>
+            </a:r>
+            <a:r>
+              <a:rPr lang="zh-CN" altLang="en-US" sz="3200" smtClean="0">
+                <a:solidFill>
+                  <a:schemeClr val="tx1">
+                    <a:lumMod val="75000"/>
+                    <a:lumOff val="25000"/>
+                  </a:schemeClr>
+                </a:solidFill>
+              </a:rPr>
+              <a:t>都是由以下</a:t>
+            </a:r>
+            <a:r>
+              <a:rPr lang="zh-CN" altLang="en-US" sz="3200" dirty="0">
+                <a:solidFill>
+                  <a:schemeClr val="tx1">
+                    <a:lumMod val="75000"/>
+                    <a:lumOff val="25000"/>
+                  </a:schemeClr>
+                </a:solidFill>
+              </a:rPr>
+              <a:t>四大组件组成</a:t>
             </a:r>
             <a:r>
               <a:rPr lang="zh-CN" altLang="en-US" sz="3200">
@@ -28503,7 +29290,7 @@
       </p:sp>
       <p:pic>
         <p:nvPicPr>
-          <p:cNvPr id="6" name="图片 5"/>
+          <p:cNvPr id="7" name="图片 6"/>
           <p:cNvPicPr>
             <a:picLocks noChangeAspect="1"/>
           </p:cNvPicPr>
@@ -28511,44 +29298,6 @@
         </p:nvPicPr>
         <p:blipFill>
           <a:blip r:embed="rId2"/>
-          <a:stretch>
-            <a:fillRect/>
-          </a:stretch>
-        </p:blipFill>
-        <p:spPr>
-          <a:xfrm>
-            <a:off x="2207568" y="1578182"/>
-            <a:ext cx="2907999" cy="5146225"/>
-          </a:xfrm>
-          <a:prstGeom prst="rect">
-            <a:avLst/>
-          </a:prstGeom>
-          <a:ln>
-            <a:solidFill>
-              <a:schemeClr val="bg1">
-                <a:lumMod val="50000"/>
-              </a:schemeClr>
-            </a:solidFill>
-          </a:ln>
-          <a:effectLst>
-            <a:outerShdw blurRad="50800" dist="38100" dir="2700000" algn="tl" rotWithShape="0">
-              <a:prstClr val="black">
-                <a:alpha val="40000"/>
-              </a:prstClr>
-            </a:outerShdw>
-          </a:effectLst>
-        </p:spPr>
-      </p:pic>
-      <p:pic>
-        <p:nvPicPr>
-          <p:cNvPr id="7" name="图片 6"/>
-          <p:cNvPicPr>
-            <a:picLocks noChangeAspect="1"/>
-          </p:cNvPicPr>
-          <p:nvPr/>
-        </p:nvPicPr>
-        <p:blipFill>
-          <a:blip r:embed="rId3"/>
           <a:stretch>
             <a:fillRect/>
           </a:stretch>
@@ -28575,6 +29324,70 @@
               </a:prstClr>
             </a:outerShdw>
           </a:effectLst>
+        </p:spPr>
+      </p:pic>
+      <p:pic>
+        <p:nvPicPr>
+          <p:cNvPr id="1026" name="Picture 2"/>
+          <p:cNvPicPr>
+            <a:picLocks noChangeAspect="1" noChangeArrowheads="1"/>
+          </p:cNvPicPr>
+          <p:nvPr/>
+        </p:nvPicPr>
+        <p:blipFill>
+          <a:blip r:embed="rId3" cstate="print">
+            <a:extLst>
+              <a:ext uri="{28A0092B-C50C-407E-A947-70E740481C1C}">
+                <a14:useLocalDpi xmlns:a14="http://schemas.microsoft.com/office/drawing/2010/main" val="0"/>
+              </a:ext>
+            </a:extLst>
+          </a:blip>
+          <a:srcRect/>
+          <a:stretch>
+            <a:fillRect/>
+          </a:stretch>
+        </p:blipFill>
+        <p:spPr bwMode="auto">
+          <a:xfrm>
+            <a:off x="2135560" y="1601396"/>
+            <a:ext cx="2808312" cy="4995537"/>
+          </a:xfrm>
+          <a:prstGeom prst="rect">
+            <a:avLst/>
+          </a:prstGeom>
+          <a:noFill/>
+          <a:ln>
+            <a:noFill/>
+          </a:ln>
+          <a:effectLst/>
+          <a:extLst>
+            <a:ext uri="{909E8E84-426E-40DD-AFC4-6F175D3DCCD1}">
+              <a14:hiddenFill xmlns:a14="http://schemas.microsoft.com/office/drawing/2010/main">
+                <a:solidFill>
+                  <a:schemeClr val="accent1"/>
+                </a:solidFill>
+              </a14:hiddenFill>
+            </a:ext>
+            <a:ext uri="{91240B29-F687-4F45-9708-019B960494DF}">
+              <a14:hiddenLine xmlns:a14="http://schemas.microsoft.com/office/drawing/2010/main" w="9525">
+                <a:solidFill>
+                  <a:schemeClr val="tx1"/>
+                </a:solidFill>
+                <a:miter lim="800000"/>
+                <a:headEnd/>
+                <a:tailEnd/>
+              </a14:hiddenLine>
+            </a:ext>
+            <a:ext uri="{AF507438-7753-43E0-B8FC-AC1667EBCBE1}">
+              <a14:hiddenEffects xmlns:a14="http://schemas.microsoft.com/office/drawing/2010/main">
+                <a:effectLst>
+                  <a:outerShdw dist="35921" dir="2700000" algn="ctr" rotWithShape="0">
+                    <a:schemeClr val="bg2"/>
+                  </a:outerShdw>
+                </a:effectLst>
+              </a14:hiddenEffects>
+            </a:ext>
+          </a:extLst>
         </p:spPr>
       </p:pic>
     </p:spTree>
@@ -28638,78 +29451,130 @@
       </p:sp>
       <p:pic>
         <p:nvPicPr>
-          <p:cNvPr id="4" name="图片 3"/>
+          <p:cNvPr id="2051" name="Picture 3"/>
           <p:cNvPicPr>
-            <a:picLocks noChangeAspect="1"/>
+            <a:picLocks noChangeAspect="1" noChangeArrowheads="1"/>
           </p:cNvPicPr>
           <p:nvPr/>
         </p:nvPicPr>
         <p:blipFill>
-          <a:blip r:embed="rId2"/>
+          <a:blip r:embed="rId2" cstate="print">
+            <a:extLst>
+              <a:ext uri="{28A0092B-C50C-407E-A947-70E740481C1C}">
+                <a14:useLocalDpi xmlns:a14="http://schemas.microsoft.com/office/drawing/2010/main" val="0"/>
+              </a:ext>
+            </a:extLst>
+          </a:blip>
+          <a:srcRect/>
           <a:stretch>
             <a:fillRect/>
           </a:stretch>
         </p:blipFill>
-        <p:spPr>
+        <p:spPr bwMode="auto">
           <a:xfrm>
-            <a:off x="2207568" y="1600201"/>
-            <a:ext cx="3312368" cy="4997355"/>
+            <a:off x="6888088" y="1621411"/>
+            <a:ext cx="2872450" cy="5109629"/>
           </a:xfrm>
           <a:prstGeom prst="rect">
             <a:avLst/>
           </a:prstGeom>
+          <a:noFill/>
           <a:ln>
-            <a:solidFill>
-              <a:schemeClr val="bg1">
-                <a:lumMod val="50000"/>
-              </a:schemeClr>
-            </a:solidFill>
+            <a:noFill/>
           </a:ln>
-          <a:effectLst>
-            <a:outerShdw blurRad="50800" dist="38100" dir="2700000" algn="tl" rotWithShape="0">
-              <a:prstClr val="black">
-                <a:alpha val="40000"/>
-              </a:prstClr>
-            </a:outerShdw>
-          </a:effectLst>
+          <a:effectLst/>
+          <a:extLst>
+            <a:ext uri="{909E8E84-426E-40DD-AFC4-6F175D3DCCD1}">
+              <a14:hiddenFill xmlns:a14="http://schemas.microsoft.com/office/drawing/2010/main">
+                <a:solidFill>
+                  <a:schemeClr val="accent1"/>
+                </a:solidFill>
+              </a14:hiddenFill>
+            </a:ext>
+            <a:ext uri="{91240B29-F687-4F45-9708-019B960494DF}">
+              <a14:hiddenLine xmlns:a14="http://schemas.microsoft.com/office/drawing/2010/main" w="9525">
+                <a:solidFill>
+                  <a:schemeClr val="tx1"/>
+                </a:solidFill>
+                <a:miter lim="800000"/>
+                <a:headEnd/>
+                <a:tailEnd/>
+              </a14:hiddenLine>
+            </a:ext>
+            <a:ext uri="{AF507438-7753-43E0-B8FC-AC1667EBCBE1}">
+              <a14:hiddenEffects xmlns:a14="http://schemas.microsoft.com/office/drawing/2010/main">
+                <a:effectLst>
+                  <a:outerShdw dist="35921" dir="2700000" algn="ctr" rotWithShape="0">
+                    <a:schemeClr val="bg2"/>
+                  </a:outerShdw>
+                </a:effectLst>
+              </a14:hiddenEffects>
+            </a:ext>
+          </a:extLst>
         </p:spPr>
       </p:pic>
       <p:pic>
         <p:nvPicPr>
-          <p:cNvPr id="5" name="图片 4"/>
+          <p:cNvPr id="2052" name="Picture 4"/>
           <p:cNvPicPr>
-            <a:picLocks noChangeAspect="1"/>
+            <a:picLocks noChangeAspect="1" noChangeArrowheads="1"/>
           </p:cNvPicPr>
           <p:nvPr/>
         </p:nvPicPr>
         <p:blipFill>
-          <a:blip r:embed="rId3"/>
+          <a:blip r:embed="rId3" cstate="print">
+            <a:extLst>
+              <a:ext uri="{28A0092B-C50C-407E-A947-70E740481C1C}">
+                <a14:useLocalDpi xmlns:a14="http://schemas.microsoft.com/office/drawing/2010/main" val="0"/>
+              </a:ext>
+            </a:extLst>
+          </a:blip>
+          <a:srcRect/>
           <a:stretch>
             <a:fillRect/>
           </a:stretch>
         </p:blipFill>
-        <p:spPr>
+        <p:spPr bwMode="auto">
           <a:xfrm>
-            <a:off x="6597659" y="1597879"/>
-            <a:ext cx="3024336" cy="4990154"/>
+            <a:off x="2711624" y="1607412"/>
+            <a:ext cx="2880320" cy="5123628"/>
           </a:xfrm>
           <a:prstGeom prst="rect">
             <a:avLst/>
           </a:prstGeom>
+          <a:noFill/>
           <a:ln>
-            <a:solidFill>
-              <a:schemeClr val="bg1">
-                <a:lumMod val="50000"/>
-              </a:schemeClr>
-            </a:solidFill>
+            <a:noFill/>
           </a:ln>
-          <a:effectLst>
-            <a:outerShdw blurRad="50800" dist="38100" dir="2700000" algn="tl" rotWithShape="0">
-              <a:prstClr val="black">
-                <a:alpha val="40000"/>
-              </a:prstClr>
-            </a:outerShdw>
-          </a:effectLst>
+          <a:effectLst/>
+          <a:extLst>
+            <a:ext uri="{909E8E84-426E-40DD-AFC4-6F175D3DCCD1}">
+              <a14:hiddenFill xmlns:a14="http://schemas.microsoft.com/office/drawing/2010/main">
+                <a:solidFill>
+                  <a:schemeClr val="accent1"/>
+                </a:solidFill>
+              </a14:hiddenFill>
+            </a:ext>
+            <a:ext uri="{91240B29-F687-4F45-9708-019B960494DF}">
+              <a14:hiddenLine xmlns:a14="http://schemas.microsoft.com/office/drawing/2010/main" w="9525">
+                <a:solidFill>
+                  <a:schemeClr val="tx1"/>
+                </a:solidFill>
+                <a:miter lim="800000"/>
+                <a:headEnd/>
+                <a:tailEnd/>
+              </a14:hiddenLine>
+            </a:ext>
+            <a:ext uri="{AF507438-7753-43E0-B8FC-AC1667EBCBE1}">
+              <a14:hiddenEffects xmlns:a14="http://schemas.microsoft.com/office/drawing/2010/main">
+                <a:effectLst>
+                  <a:outerShdw dist="35921" dir="2700000" algn="ctr" rotWithShape="0">
+                    <a:schemeClr val="bg2"/>
+                  </a:outerShdw>
+                </a:effectLst>
+              </a14:hiddenEffects>
+            </a:ext>
+          </a:extLst>
         </p:spPr>
       </p:pic>
     </p:spTree>
@@ -28733,104 +29598,6 @@
 </file>
 
 <file path=ppt/slides/slide43.xml><?xml version="1.0" encoding="utf-8"?>
-<p:sld xmlns:a="http://schemas.openxmlformats.org/drawingml/2006/main" xmlns:r="http://schemas.openxmlformats.org/officeDocument/2006/relationships" xmlns:p="http://schemas.openxmlformats.org/presentationml/2006/main">
-  <p:cSld>
-    <p:spTree>
-      <p:nvGrpSpPr>
-        <p:cNvPr id="1" name=""/>
-        <p:cNvGrpSpPr/>
-        <p:nvPr/>
-      </p:nvGrpSpPr>
-      <p:grpSpPr>
-        <a:xfrm>
-          <a:off x="0" y="0"/>
-          <a:ext cx="0" cy="0"/>
-          <a:chOff x="0" y="0"/>
-          <a:chExt cx="0" cy="0"/>
-        </a:xfrm>
-      </p:grpSpPr>
-      <p:sp>
-        <p:nvSpPr>
-          <p:cNvPr id="2" name="标题 1"/>
-          <p:cNvSpPr>
-            <a:spLocks noGrp="1"/>
-          </p:cNvSpPr>
-          <p:nvPr>
-            <p:ph type="title"/>
-          </p:nvPr>
-        </p:nvSpPr>
-        <p:spPr/>
-        <p:txBody>
-          <a:bodyPr/>
-          <a:lstStyle/>
-          <a:p>
-            <a:r>
-              <a:rPr lang="zh-CN" altLang="en-US"/>
-              <a:t>实例</a:t>
-            </a:r>
-            <a:endParaRPr lang="zh-CN" altLang="en-US" dirty="0"/>
-          </a:p>
-        </p:txBody>
-      </p:sp>
-      <p:pic>
-        <p:nvPicPr>
-          <p:cNvPr id="4" name="图片 3"/>
-          <p:cNvPicPr>
-            <a:picLocks noChangeAspect="1"/>
-          </p:cNvPicPr>
-          <p:nvPr/>
-        </p:nvPicPr>
-        <p:blipFill>
-          <a:blip r:embed="rId2"/>
-          <a:stretch>
-            <a:fillRect/>
-          </a:stretch>
-        </p:blipFill>
-        <p:spPr>
-          <a:xfrm>
-            <a:off x="4703339" y="1600201"/>
-            <a:ext cx="2785322" cy="4895849"/>
-          </a:xfrm>
-          <a:prstGeom prst="rect">
-            <a:avLst/>
-          </a:prstGeom>
-          <a:ln>
-            <a:solidFill>
-              <a:schemeClr val="bg1">
-                <a:lumMod val="50000"/>
-              </a:schemeClr>
-            </a:solidFill>
-          </a:ln>
-          <a:effectLst>
-            <a:outerShdw blurRad="50800" dist="38100" dir="2700000" algn="tl" rotWithShape="0">
-              <a:prstClr val="black">
-                <a:alpha val="40000"/>
-              </a:prstClr>
-            </a:outerShdw>
-          </a:effectLst>
-        </p:spPr>
-      </p:pic>
-    </p:spTree>
-    <p:extLst>
-      <p:ext uri="{BB962C8B-B14F-4D97-AF65-F5344CB8AC3E}">
-        <p14:creationId xmlns:p14="http://schemas.microsoft.com/office/powerpoint/2010/main" val="4240786548"/>
-      </p:ext>
-    </p:extLst>
-  </p:cSld>
-  <p:clrMapOvr>
-    <a:masterClrMapping/>
-  </p:clrMapOvr>
-  <p:timing>
-    <p:tnLst>
-      <p:par>
-        <p:cTn id="1" dur="indefinite" restart="never" nodeType="tmRoot"/>
-      </p:par>
-    </p:tnLst>
-  </p:timing>
-</p:sld>
-</file>
-
-<file path=ppt/slides/slide44.xml><?xml version="1.0" encoding="utf-8"?>
 <p:sld xmlns:a="http://schemas.openxmlformats.org/drawingml/2006/main" xmlns:r="http://schemas.openxmlformats.org/officeDocument/2006/relationships" xmlns:p="http://schemas.openxmlformats.org/presentationml/2006/main">
   <p:cSld>
     <p:spTree>
@@ -30367,7 +31134,7 @@
 </p:sld>
 </file>
 
-<file path=ppt/slides/slide45.xml><?xml version="1.0" encoding="utf-8"?>
+<file path=ppt/slides/slide44.xml><?xml version="1.0" encoding="utf-8"?>
 <p:sld xmlns:a="http://schemas.openxmlformats.org/drawingml/2006/main" xmlns:r="http://schemas.openxmlformats.org/officeDocument/2006/relationships" xmlns:p="http://schemas.openxmlformats.org/presentationml/2006/main">
   <p:cSld>
     <p:spTree>
@@ -30749,7 +31516,7 @@
       </p:sp>
       <p:pic>
         <p:nvPicPr>
-          <p:cNvPr id="2050" name="Picture 2"/>
+          <p:cNvPr id="1028" name="Picture 4"/>
           <p:cNvPicPr>
             <a:picLocks noChangeAspect="1" noChangeArrowheads="1"/>
           </p:cNvPicPr>
@@ -30770,8 +31537,8 @@
         </p:blipFill>
         <p:spPr bwMode="auto">
           <a:xfrm>
-            <a:off x="8688288" y="1916832"/>
-            <a:ext cx="2734395" cy="4161911"/>
+            <a:off x="8688288" y="1538383"/>
+            <a:ext cx="2695575" cy="4838700"/>
           </a:xfrm>
           <a:prstGeom prst="rect">
             <a:avLst/>
@@ -30780,11 +31547,7 @@
           <a:ln>
             <a:noFill/>
           </a:ln>
-          <a:effectLst>
-            <a:outerShdw dist="35921" dir="2700000" algn="ctr" rotWithShape="0">
-              <a:schemeClr val="bg2"/>
-            </a:outerShdw>
-          </a:effectLst>
+          <a:effectLst/>
           <a:extLst>
             <a:ext uri="{909E8E84-426E-40DD-AFC4-6F175D3DCCD1}">
               <a14:hiddenFill xmlns:a14="http://schemas.microsoft.com/office/drawing/2010/main">
@@ -30802,6 +31565,15 @@
                 <a:headEnd/>
                 <a:tailEnd/>
               </a14:hiddenLine>
+            </a:ext>
+            <a:ext uri="{AF507438-7753-43E0-B8FC-AC1667EBCBE1}">
+              <a14:hiddenEffects xmlns:a14="http://schemas.microsoft.com/office/drawing/2010/main">
+                <a:effectLst>
+                  <a:outerShdw dist="35921" dir="2700000" algn="ctr" rotWithShape="0">
+                    <a:schemeClr val="bg2"/>
+                  </a:outerShdw>
+                </a:effectLst>
+              </a14:hiddenEffects>
             </a:ext>
           </a:extLst>
         </p:spPr>
@@ -31521,10 +32293,10 @@
                   </a:schemeClr>
                 </a:solidFill>
               </a:rPr>
-              <a:t>数据库中，甚至是任何有效的设备中。当</a:t>
-            </a:r>
-            <a:r>
-              <a:rPr lang="zh-CN" altLang="en-US" sz="3200">
+              <a:t>数据库中，甚至是任何有效的设备中。当需要</a:t>
+            </a:r>
+            <a:r>
+              <a:rPr lang="zh-CN" altLang="en-US" sz="3200" dirty="0" smtClean="0">
                 <a:solidFill>
                   <a:schemeClr val="tx1">
                     <a:lumMod val="85000"/>
@@ -31532,10 +32304,10 @@
                   </a:schemeClr>
                 </a:solidFill>
               </a:rPr>
-              <a:t>需要</a:t>
-            </a:r>
-            <a:r>
-              <a:rPr lang="zh-CN" altLang="en-US" sz="3200" smtClean="0">
+              <a:t>将当前应用</a:t>
+            </a:r>
+            <a:r>
+              <a:rPr lang="zh-CN" altLang="en-US" sz="3200" dirty="0">
                 <a:solidFill>
                   <a:schemeClr val="tx1">
                     <a:lumMod val="85000"/>
@@ -31543,10 +32315,10 @@
                   </a:schemeClr>
                 </a:solidFill>
               </a:rPr>
-              <a:t>将当前应用</a:t>
-            </a:r>
-            <a:r>
-              <a:rPr lang="zh-CN" altLang="en-US" sz="3200" dirty="0">
+              <a:t>数据与</a:t>
+            </a:r>
+            <a:r>
+              <a:rPr lang="zh-CN" altLang="en-US" sz="3200" dirty="0" smtClean="0">
                 <a:solidFill>
                   <a:schemeClr val="tx1">
                     <a:lumMod val="85000"/>
@@ -31554,10 +32326,10 @@
                   </a:schemeClr>
                 </a:solidFill>
               </a:rPr>
-              <a:t>数据</a:t>
-            </a:r>
-            <a:r>
-              <a:rPr lang="zh-CN" altLang="en-US" sz="3200">
+              <a:t>其它应用</a:t>
+            </a:r>
+            <a:r>
+              <a:rPr lang="zh-CN" altLang="en-US" sz="3200" dirty="0">
                 <a:solidFill>
                   <a:schemeClr val="tx1">
                     <a:lumMod val="85000"/>
@@ -31565,10 +32337,10 @@
                   </a:schemeClr>
                 </a:solidFill>
               </a:rPr>
-              <a:t>与</a:t>
-            </a:r>
-            <a:r>
-              <a:rPr lang="zh-CN" altLang="en-US" sz="3200" smtClean="0">
+              <a:t>共享时</a:t>
+            </a:r>
+            <a:r>
+              <a:rPr lang="zh-CN" altLang="en-US" sz="3200" dirty="0" smtClean="0">
                 <a:solidFill>
                   <a:schemeClr val="tx1">
                     <a:lumMod val="85000"/>
@@ -31576,10 +32348,10 @@
                   </a:schemeClr>
                 </a:solidFill>
               </a:rPr>
-              <a:t>其它应用</a:t>
-            </a:r>
-            <a:r>
-              <a:rPr lang="zh-CN" altLang="en-US" sz="3200" dirty="0">
+              <a:t>，</a:t>
+            </a:r>
+            <a:r>
+              <a:rPr lang="en-US" altLang="zh-CN" sz="3200" dirty="0" err="1">
                 <a:solidFill>
                   <a:schemeClr val="tx1">
                     <a:lumMod val="85000"/>
@@ -31587,10 +32359,10 @@
                   </a:schemeClr>
                 </a:solidFill>
               </a:rPr>
-              <a:t>共享</a:t>
-            </a:r>
-            <a:r>
-              <a:rPr lang="zh-CN" altLang="en-US" sz="3200">
+              <a:t>ContentProvider</a:t>
+            </a:r>
+            <a:r>
+              <a:rPr lang="zh-CN" altLang="en-US" sz="3200" dirty="0" smtClean="0">
                 <a:solidFill>
                   <a:schemeClr val="tx1">
                     <a:lumMod val="85000"/>
@@ -31598,10 +32370,10 @@
                   </a:schemeClr>
                 </a:solidFill>
               </a:rPr>
-              <a:t>时</a:t>
-            </a:r>
-            <a:r>
-              <a:rPr lang="zh-CN" altLang="en-US" sz="3200" smtClean="0">
+              <a:t>类</a:t>
+            </a:r>
+            <a:r>
+              <a:rPr lang="zh-CN" altLang="en-US" sz="3200" dirty="0">
                 <a:solidFill>
                   <a:schemeClr val="tx1">
                     <a:lumMod val="85000"/>
@@ -31609,10 +32381,10 @@
                   </a:schemeClr>
                 </a:solidFill>
               </a:rPr>
-              <a:t>，</a:t>
-            </a:r>
-            <a:r>
-              <a:rPr lang="en-US" altLang="zh-CN" sz="3200">
+              <a:t>实现了一组</a:t>
+            </a:r>
+            <a:r>
+              <a:rPr lang="zh-CN" altLang="en-US" sz="3200" dirty="0" smtClean="0">
                 <a:solidFill>
                   <a:schemeClr val="tx1">
                     <a:lumMod val="85000"/>
@@ -31620,10 +32392,10 @@
                   </a:schemeClr>
                 </a:solidFill>
               </a:rPr>
-              <a:t>ContentProvider</a:t>
-            </a:r>
-            <a:r>
-              <a:rPr lang="zh-CN" altLang="en-US" sz="3200" smtClean="0">
+              <a:t>标准方法</a:t>
+            </a:r>
+            <a:r>
+              <a:rPr lang="zh-CN" altLang="en-US" sz="3200" dirty="0">
                 <a:solidFill>
                   <a:schemeClr val="tx1">
                     <a:lumMod val="85000"/>
@@ -31631,10 +32403,10 @@
                   </a:schemeClr>
                 </a:solidFill>
               </a:rPr>
-              <a:t>类</a:t>
-            </a:r>
-            <a:r>
-              <a:rPr lang="zh-CN" altLang="en-US" sz="3200" dirty="0">
+              <a:t>，从而能够让</a:t>
+            </a:r>
+            <a:r>
+              <a:rPr lang="zh-CN" altLang="en-US" sz="3200" dirty="0" smtClean="0">
                 <a:solidFill>
                   <a:schemeClr val="tx1">
                     <a:lumMod val="85000"/>
@@ -31642,10 +32414,10 @@
                   </a:schemeClr>
                 </a:solidFill>
               </a:rPr>
-              <a:t>实现了一</a:t>
-            </a:r>
-            <a:r>
-              <a:rPr lang="zh-CN" altLang="en-US" sz="3200">
+              <a:t>其它的</a:t>
+            </a:r>
+            <a:r>
+              <a:rPr lang="zh-CN" altLang="en-US" sz="3200" dirty="0">
                 <a:solidFill>
                   <a:schemeClr val="tx1">
                     <a:lumMod val="85000"/>
@@ -31653,10 +32425,10 @@
                   </a:schemeClr>
                 </a:solidFill>
               </a:rPr>
-              <a:t>组</a:t>
-            </a:r>
-            <a:r>
-              <a:rPr lang="zh-CN" altLang="en-US" sz="3200" smtClean="0">
+              <a:t>应用保存或读取</a:t>
+            </a:r>
+            <a:r>
+              <a:rPr lang="zh-CN" altLang="en-US" sz="3200" dirty="0" smtClean="0">
                 <a:solidFill>
                   <a:schemeClr val="tx1">
                     <a:lumMod val="85000"/>
@@ -31664,10 +32436,10 @@
                   </a:schemeClr>
                 </a:solidFill>
               </a:rPr>
-              <a:t>标准方法</a:t>
-            </a:r>
-            <a:r>
-              <a:rPr lang="zh-CN" altLang="en-US" sz="3200" dirty="0">
+              <a:t>此</a:t>
+            </a:r>
+            <a:r>
+              <a:rPr lang="en-US" altLang="zh-CN" sz="3200" dirty="0" err="1">
                 <a:solidFill>
                   <a:schemeClr val="tx1">
                     <a:lumMod val="85000"/>
@@ -31675,76 +32447,10 @@
                   </a:schemeClr>
                 </a:solidFill>
               </a:rPr>
-              <a:t>，从而能够</a:t>
-            </a:r>
-            <a:r>
-              <a:rPr lang="zh-CN" altLang="en-US" sz="3200">
-                <a:solidFill>
-                  <a:schemeClr val="tx1">
-                    <a:lumMod val="85000"/>
-                    <a:lumOff val="15000"/>
-                  </a:schemeClr>
-                </a:solidFill>
-              </a:rPr>
-              <a:t>让</a:t>
-            </a:r>
-            <a:r>
-              <a:rPr lang="zh-CN" altLang="en-US" sz="3200" smtClean="0">
-                <a:solidFill>
-                  <a:schemeClr val="tx1">
-                    <a:lumMod val="85000"/>
-                    <a:lumOff val="15000"/>
-                  </a:schemeClr>
-                </a:solidFill>
-              </a:rPr>
-              <a:t>其它的</a:t>
-            </a:r>
-            <a:r>
-              <a:rPr lang="zh-CN" altLang="en-US" sz="3200" dirty="0">
-                <a:solidFill>
-                  <a:schemeClr val="tx1">
-                    <a:lumMod val="85000"/>
-                    <a:lumOff val="15000"/>
-                  </a:schemeClr>
-                </a:solidFill>
-              </a:rPr>
-              <a:t>应用保存或</a:t>
-            </a:r>
-            <a:r>
-              <a:rPr lang="zh-CN" altLang="en-US" sz="3200">
-                <a:solidFill>
-                  <a:schemeClr val="tx1">
-                    <a:lumMod val="85000"/>
-                    <a:lumOff val="15000"/>
-                  </a:schemeClr>
-                </a:solidFill>
-              </a:rPr>
-              <a:t>读取</a:t>
-            </a:r>
-            <a:r>
-              <a:rPr lang="zh-CN" altLang="en-US" sz="3200" smtClean="0">
-                <a:solidFill>
-                  <a:schemeClr val="tx1">
-                    <a:lumMod val="85000"/>
-                    <a:lumOff val="15000"/>
-                  </a:schemeClr>
-                </a:solidFill>
-              </a:rPr>
-              <a:t>此</a:t>
-            </a:r>
-            <a:r>
-              <a:rPr lang="en-US" altLang="zh-CN" sz="3200">
-                <a:solidFill>
-                  <a:schemeClr val="tx1">
-                    <a:lumMod val="85000"/>
-                    <a:lumOff val="15000"/>
-                  </a:schemeClr>
-                </a:solidFill>
-              </a:rPr>
               <a:t>ContentProvider</a:t>
             </a:r>
             <a:r>
-              <a:rPr lang="zh-CN" altLang="en-US" sz="3200" smtClean="0">
+              <a:rPr lang="zh-CN" altLang="en-US" sz="3200" dirty="0" smtClean="0">
                 <a:solidFill>
                   <a:schemeClr val="tx1">
                     <a:lumMod val="85000"/>
